--- a/document/20.분석(AP)/AP-1070.표준 개발 지침/AP_1070.파이썬-그리드 객체 이해_20210201_v1.0.pptx
+++ b/document/20.분석(AP)/AP-1070.표준 개발 지침/AP_1070.파이썬-그리드 객체 이해_20210201_v1.0.pptx
@@ -9930,7 +9930,7 @@
           <a:p>
             <a:r>
               <a:rPr lang="ko-KR" altLang="en-US"/>
-              <a:t>팝업 모달 처리</a:t>
+              <a:t>그리드 객체 이해</a:t>
             </a:r>
           </a:p>
         </p:txBody>
@@ -19079,17 +19079,17 @@
             <a:pPr eaLnBrk="1" hangingPunct="1"/>
             <a:r>
               <a:rPr lang="ko-KR" altLang="en-US"/>
-              <a:t>팝업 모델 구성</a:t>
+              <a:t>그리드 초기화</a:t>
             </a:r>
           </a:p>
         </p:txBody>
       </p:sp>
       <p:grpSp>
         <p:nvGrpSpPr>
-          <p:cNvPr id="51" name="그룹 50">
+          <p:cNvPr id="21" name="그룹 20">
             <a:extLst>
               <a:ext uri="{FF2B5EF4-FFF2-40B4-BE49-F238E27FC236}">
-                <a16:creationId xmlns:a16="http://schemas.microsoft.com/office/drawing/2014/main" id="{3018EBD4-7037-4B32-80C9-F25D06AC683D}"/>
+                <a16:creationId xmlns:a16="http://schemas.microsoft.com/office/drawing/2014/main" id="{934A1CB7-C9D6-4779-B26B-B35ADB89E064}"/>
               </a:ext>
             </a:extLst>
           </p:cNvPr>
@@ -19098,18 +19098,18 @@
         </p:nvGrpSpPr>
         <p:grpSpPr>
           <a:xfrm>
-            <a:off x="4508227" y="3260079"/>
-            <a:ext cx="4700116" cy="793816"/>
-            <a:chOff x="4335181" y="1221016"/>
-            <a:chExt cx="1220923" cy="793816"/>
+            <a:off x="278015" y="1014766"/>
+            <a:ext cx="5679165" cy="2185470"/>
+            <a:chOff x="471971" y="1125600"/>
+            <a:chExt cx="4180580" cy="2185470"/>
           </a:xfrm>
         </p:grpSpPr>
         <p:sp>
           <p:nvSpPr>
-            <p:cNvPr id="52" name="직사각형 51">
+            <p:cNvPr id="22" name="직사각형 21">
               <a:extLst>
                 <a:ext uri="{FF2B5EF4-FFF2-40B4-BE49-F238E27FC236}">
-                  <a16:creationId xmlns:a16="http://schemas.microsoft.com/office/drawing/2014/main" id="{1B888D39-25C1-4B1F-B219-D7B073762F73}"/>
+                  <a16:creationId xmlns:a16="http://schemas.microsoft.com/office/drawing/2014/main" id="{28881855-29A1-4485-BC3C-C326150C043C}"/>
                 </a:ext>
               </a:extLst>
             </p:cNvPr>
@@ -19118,476 +19118,8 @@
           </p:nvSpPr>
           <p:spPr bwMode="auto">
             <a:xfrm>
-              <a:off x="4335181" y="1221016"/>
-              <a:ext cx="1220923" cy="288000"/>
-            </a:xfrm>
-            <a:prstGeom prst="rect">
-              <a:avLst/>
-            </a:prstGeom>
-            <a:solidFill>
-              <a:srgbClr val="92D050">
-                <a:alpha val="40000"/>
-              </a:srgbClr>
-            </a:solidFill>
-            <a:ln w="3175">
-              <a:solidFill>
-                <a:schemeClr val="accent3"/>
-              </a:solidFill>
-              <a:headEnd type="none" w="med" len="med"/>
-              <a:tailEnd type="none" w="med" len="med"/>
-            </a:ln>
-            <a:effectLst/>
-            <a:extLst/>
-          </p:spPr>
-          <p:style>
-            <a:lnRef idx="1">
-              <a:schemeClr val="accent5"/>
-            </a:lnRef>
-            <a:fillRef idx="2">
-              <a:schemeClr val="accent5"/>
-            </a:fillRef>
-            <a:effectRef idx="1">
-              <a:schemeClr val="accent5"/>
-            </a:effectRef>
-            <a:fontRef idx="minor">
-              <a:schemeClr val="dk1"/>
-            </a:fontRef>
-          </p:style>
-          <p:txBody>
-            <a:bodyPr vert="horz" wrap="none" lIns="72000" tIns="72000" rIns="72000" bIns="72000" numCol="1" rtlCol="0" anchor="ctr" anchorCtr="0" compatLnSpc="1">
-              <a:prstTxWarp prst="textNoShape">
-                <a:avLst/>
-              </a:prstTxWarp>
-            </a:bodyPr>
-            <a:lstStyle/>
-            <a:p>
-              <a:pPr marL="0" lvl="1" algn="ctr" eaLnBrk="1" hangingPunct="1">
-                <a:spcBef>
-                  <a:spcPts val="0"/>
-                </a:spcBef>
-                <a:buClr>
-                  <a:schemeClr val="accent2"/>
-                </a:buClr>
-              </a:pPr>
-              <a:r>
-                <a:rPr lang="ko-KR" altLang="en-US" sz="1050">
-                  <a:solidFill>
-                    <a:schemeClr val="tx1"/>
-                  </a:solidFill>
-                  <a:latin typeface="맑은 고딕" panose="020B0503020000020004" pitchFamily="50" charset="-127"/>
-                  <a:ea typeface="맑은 고딕" panose="020B0503020000020004" pitchFamily="50" charset="-127"/>
-                </a:rPr>
-                <a:t>매개변수</a:t>
-              </a:r>
-              <a:endParaRPr lang="en-US" altLang="ko-KR" sz="1050">
-                <a:solidFill>
-                  <a:schemeClr val="tx1"/>
-                </a:solidFill>
-                <a:latin typeface="맑은 고딕" panose="020B0503020000020004" pitchFamily="50" charset="-127"/>
-                <a:ea typeface="맑은 고딕" panose="020B0503020000020004" pitchFamily="50" charset="-127"/>
-              </a:endParaRPr>
-            </a:p>
-          </p:txBody>
-        </p:sp>
-        <p:sp>
-          <p:nvSpPr>
-            <p:cNvPr id="53" name="직사각형 52">
-              <a:extLst>
-                <a:ext uri="{FF2B5EF4-FFF2-40B4-BE49-F238E27FC236}">
-                  <a16:creationId xmlns:a16="http://schemas.microsoft.com/office/drawing/2014/main" id="{9B651B2D-D7B7-4950-8BE5-F5EDAE9A1B53}"/>
-                </a:ext>
-              </a:extLst>
-            </p:cNvPr>
-            <p:cNvSpPr/>
-            <p:nvPr/>
-          </p:nvSpPr>
-          <p:spPr bwMode="auto">
-            <a:xfrm>
-              <a:off x="4335181" y="1510832"/>
-              <a:ext cx="1220923" cy="504000"/>
-            </a:xfrm>
-            <a:prstGeom prst="rect">
-              <a:avLst/>
-            </a:prstGeom>
-            <a:solidFill>
-              <a:schemeClr val="bg1">
-                <a:alpha val="40000"/>
-              </a:schemeClr>
-            </a:solidFill>
-            <a:ln w="3175">
-              <a:solidFill>
-                <a:schemeClr val="accent3"/>
-              </a:solidFill>
-              <a:headEnd type="none" w="med" len="med"/>
-              <a:tailEnd type="none" w="med" len="med"/>
-            </a:ln>
-            <a:effectLst/>
-            <a:extLst/>
-          </p:spPr>
-          <p:style>
-            <a:lnRef idx="1">
-              <a:schemeClr val="accent5"/>
-            </a:lnRef>
-            <a:fillRef idx="2">
-              <a:schemeClr val="accent5"/>
-            </a:fillRef>
-            <a:effectRef idx="1">
-              <a:schemeClr val="accent5"/>
-            </a:effectRef>
-            <a:fontRef idx="minor">
-              <a:schemeClr val="dk1"/>
-            </a:fontRef>
-          </p:style>
-          <p:txBody>
-            <a:bodyPr vert="horz" wrap="square" lIns="72000" tIns="72000" rIns="72000" bIns="72000" numCol="1" rtlCol="0" anchor="ctr" anchorCtr="0" compatLnSpc="1">
-              <a:prstTxWarp prst="textNoShape">
-                <a:avLst/>
-              </a:prstTxWarp>
-            </a:bodyPr>
-            <a:lstStyle/>
-            <a:p>
-              <a:pPr marL="0" lvl="1" algn="ctr" eaLnBrk="1" hangingPunct="1">
-                <a:spcBef>
-                  <a:spcPts val="0"/>
-                </a:spcBef>
-                <a:buClr>
-                  <a:schemeClr val="accent2"/>
-                </a:buClr>
-              </a:pPr>
-              <a:r>
-                <a:rPr lang="ko-KR" altLang="en-US" sz="1050">
-                  <a:solidFill>
-                    <a:schemeClr val="tx1"/>
-                  </a:solidFill>
-                  <a:latin typeface="맑은 고딕" panose="020B0503020000020004" pitchFamily="50" charset="-127"/>
-                  <a:ea typeface="맑은 고딕" panose="020B0503020000020004" pitchFamily="50" charset="-127"/>
-                </a:rPr>
-                <a:t>검색조건 </a:t>
-              </a:r>
-              <a:r>
-                <a:rPr lang="en-US" altLang="ko-KR" sz="1050">
-                  <a:solidFill>
-                    <a:schemeClr val="tx1"/>
-                  </a:solidFill>
-                  <a:latin typeface="맑은 고딕" panose="020B0503020000020004" pitchFamily="50" charset="-127"/>
-                  <a:ea typeface="맑은 고딕" panose="020B0503020000020004" pitchFamily="50" charset="-127"/>
-                </a:rPr>
-                <a:t>: mainParam (</a:t>
-              </a:r>
-              <a:r>
-                <a:rPr lang="ko-KR" altLang="en-US" sz="1050">
-                  <a:solidFill>
-                    <a:schemeClr val="tx1"/>
-                  </a:solidFill>
-                  <a:latin typeface="맑은 고딕" panose="020B0503020000020004" pitchFamily="50" charset="-127"/>
-                  <a:ea typeface="맑은 고딕" panose="020B0503020000020004" pitchFamily="50" charset="-127"/>
-                </a:rPr>
-                <a:t>메뉴명</a:t>
-              </a:r>
-              <a:r>
-                <a:rPr lang="en-US" altLang="ko-KR" sz="1050">
-                  <a:solidFill>
-                    <a:schemeClr val="tx1"/>
-                  </a:solidFill>
-                  <a:latin typeface="맑은 고딕" panose="020B0503020000020004" pitchFamily="50" charset="-127"/>
-                  <a:ea typeface="맑은 고딕" panose="020B0503020000020004" pitchFamily="50" charset="-127"/>
-                </a:rPr>
-                <a:t>, url, </a:t>
-              </a:r>
-              <a:r>
-                <a:rPr lang="ko-KR" altLang="en-US" sz="1050">
-                  <a:solidFill>
-                    <a:schemeClr val="tx1"/>
-                  </a:solidFill>
-                  <a:latin typeface="맑은 고딕" panose="020B0503020000020004" pitchFamily="50" charset="-127"/>
-                  <a:ea typeface="맑은 고딕" panose="020B0503020000020004" pitchFamily="50" charset="-127"/>
-                </a:rPr>
-                <a:t>사용여부</a:t>
-              </a:r>
-              <a:r>
-                <a:rPr lang="en-US" altLang="ko-KR" sz="1050">
-                  <a:solidFill>
-                    <a:schemeClr val="tx1"/>
-                  </a:solidFill>
-                  <a:latin typeface="맑은 고딕" panose="020B0503020000020004" pitchFamily="50" charset="-127"/>
-                  <a:ea typeface="맑은 고딕" panose="020B0503020000020004" pitchFamily="50" charset="-127"/>
-                </a:rPr>
-                <a:t>)</a:t>
-              </a:r>
-            </a:p>
-            <a:p>
-              <a:pPr marL="0" lvl="1" algn="ctr" eaLnBrk="1" hangingPunct="1">
-                <a:spcBef>
-                  <a:spcPts val="0"/>
-                </a:spcBef>
-                <a:buClr>
-                  <a:schemeClr val="accent2"/>
-                </a:buClr>
-              </a:pPr>
-              <a:r>
-                <a:rPr lang="ko-KR" altLang="en-US" sz="1050">
-                  <a:solidFill>
-                    <a:schemeClr val="tx1"/>
-                  </a:solidFill>
-                  <a:latin typeface="맑은 고딕" panose="020B0503020000020004" pitchFamily="50" charset="-127"/>
-                  <a:ea typeface="맑은 고딕" panose="020B0503020000020004" pitchFamily="50" charset="-127"/>
-                </a:rPr>
-                <a:t>함수 전달 인자 </a:t>
-              </a:r>
-              <a:r>
-                <a:rPr lang="en-US" altLang="ko-KR" sz="1050">
-                  <a:solidFill>
-                    <a:schemeClr val="tx1"/>
-                  </a:solidFill>
-                  <a:latin typeface="맑은 고딕" panose="020B0503020000020004" pitchFamily="50" charset="-127"/>
-                  <a:ea typeface="맑은 고딕" panose="020B0503020000020004" pitchFamily="50" charset="-127"/>
-                </a:rPr>
-                <a:t>: url(</a:t>
-              </a:r>
-              <a:r>
-                <a:rPr lang="en-US" altLang="ko-KR" sz="1050">
-                  <a:solidFill>
-                    <a:srgbClr val="FF0000"/>
-                  </a:solidFill>
-                  <a:latin typeface="맑은 고딕" panose="020B0503020000020004" pitchFamily="50" charset="-127"/>
-                  <a:ea typeface="맑은 고딕" panose="020B0503020000020004" pitchFamily="50" charset="-127"/>
-                </a:rPr>
-                <a:t>"/esm_sys_1020/search“</a:t>
-              </a:r>
-              <a:r>
-                <a:rPr lang="en-US" altLang="ko-KR" sz="1050">
-                  <a:solidFill>
-                    <a:schemeClr val="tx1"/>
-                  </a:solidFill>
-                  <a:latin typeface="맑은 고딕" panose="020B0503020000020004" pitchFamily="50" charset="-127"/>
-                  <a:ea typeface="맑은 고딕" panose="020B0503020000020004" pitchFamily="50" charset="-127"/>
-                </a:rPr>
-                <a:t>), grid, mainParam</a:t>
-              </a:r>
-            </a:p>
-          </p:txBody>
-        </p:sp>
-      </p:grpSp>
-      <p:cxnSp>
-        <p:nvCxnSpPr>
-          <p:cNvPr id="54" name="직선 연결선 41">
-            <a:extLst>
-              <a:ext uri="{FF2B5EF4-FFF2-40B4-BE49-F238E27FC236}">
-                <a16:creationId xmlns:a16="http://schemas.microsoft.com/office/drawing/2014/main" id="{00F978C6-779C-4B3B-A729-9E6F2E65B0AD}"/>
-              </a:ext>
-            </a:extLst>
-          </p:cNvPr>
-          <p:cNvCxnSpPr>
-            <a:cxnSpLocks/>
-            <a:stCxn id="36" idx="3"/>
-            <a:endCxn id="52" idx="3"/>
-          </p:cNvCxnSpPr>
-          <p:nvPr/>
-        </p:nvCxnSpPr>
-        <p:spPr bwMode="auto">
-          <a:xfrm>
-            <a:off x="9208343" y="2324773"/>
-            <a:ext cx="12700" cy="1079306"/>
-          </a:xfrm>
-          <a:prstGeom prst="bentConnector3">
-            <a:avLst>
-              <a:gd name="adj1" fmla="val 1800000"/>
-            </a:avLst>
-          </a:prstGeom>
-          <a:ln>
-            <a:headEnd type="none" w="med" len="med"/>
-            <a:tailEnd type="arrow" w="med" len="med"/>
-          </a:ln>
-          <a:effectLst/>
-          <a:extLst/>
-        </p:spPr>
-        <p:style>
-          <a:lnRef idx="2">
-            <a:schemeClr val="accent2"/>
-          </a:lnRef>
-          <a:fillRef idx="0">
-            <a:schemeClr val="accent2"/>
-          </a:fillRef>
-          <a:effectRef idx="1">
-            <a:schemeClr val="accent2"/>
-          </a:effectRef>
-          <a:fontRef idx="minor">
-            <a:schemeClr val="tx1"/>
-          </a:fontRef>
-        </p:style>
-      </p:cxnSp>
-      <p:cxnSp>
-        <p:nvCxnSpPr>
-          <p:cNvPr id="61" name="직선 연결선 41">
-            <a:extLst>
-              <a:ext uri="{FF2B5EF4-FFF2-40B4-BE49-F238E27FC236}">
-                <a16:creationId xmlns:a16="http://schemas.microsoft.com/office/drawing/2014/main" id="{5B99393E-6A78-419C-A96A-113367C9FCC1}"/>
-              </a:ext>
-            </a:extLst>
-          </p:cNvPr>
-          <p:cNvCxnSpPr>
-            <a:cxnSpLocks/>
-            <a:stCxn id="52" idx="1"/>
-          </p:cNvCxnSpPr>
-          <p:nvPr/>
-        </p:nvCxnSpPr>
-        <p:spPr bwMode="auto">
-          <a:xfrm flipH="1">
-            <a:off x="3860809" y="3404079"/>
-            <a:ext cx="647418" cy="0"/>
-          </a:xfrm>
-          <a:prstGeom prst="straightConnector1">
-            <a:avLst/>
-          </a:prstGeom>
-          <a:ln>
-            <a:headEnd type="none" w="med" len="med"/>
-            <a:tailEnd type="arrow" w="med" len="med"/>
-          </a:ln>
-          <a:effectLst/>
-          <a:extLst/>
-        </p:spPr>
-        <p:style>
-          <a:lnRef idx="2">
-            <a:schemeClr val="accent2"/>
-          </a:lnRef>
-          <a:fillRef idx="0">
-            <a:schemeClr val="accent2"/>
-          </a:fillRef>
-          <a:effectRef idx="1">
-            <a:schemeClr val="accent2"/>
-          </a:effectRef>
-          <a:fontRef idx="minor">
-            <a:schemeClr val="tx1"/>
-          </a:fontRef>
-        </p:style>
-      </p:cxnSp>
-      <p:cxnSp>
-        <p:nvCxnSpPr>
-          <p:cNvPr id="75" name="직선 연결선 41">
-            <a:extLst>
-              <a:ext uri="{FF2B5EF4-FFF2-40B4-BE49-F238E27FC236}">
-                <a16:creationId xmlns:a16="http://schemas.microsoft.com/office/drawing/2014/main" id="{12482E4A-793D-4D5F-8D02-54697E016750}"/>
-              </a:ext>
-            </a:extLst>
-          </p:cNvPr>
-          <p:cNvCxnSpPr>
-            <a:cxnSpLocks/>
-          </p:cNvCxnSpPr>
-          <p:nvPr/>
-        </p:nvCxnSpPr>
-        <p:spPr bwMode="auto">
-          <a:xfrm>
-            <a:off x="3860808" y="4366269"/>
-            <a:ext cx="288000" cy="0"/>
-          </a:xfrm>
-          <a:prstGeom prst="straightConnector1">
-            <a:avLst/>
-          </a:prstGeom>
-          <a:ln>
-            <a:headEnd type="none" w="med" len="med"/>
-            <a:tailEnd type="arrow" w="med" len="med"/>
-          </a:ln>
-          <a:effectLst/>
-          <a:extLst/>
-        </p:spPr>
-        <p:style>
-          <a:lnRef idx="2">
-            <a:schemeClr val="accent2"/>
-          </a:lnRef>
-          <a:fillRef idx="0">
-            <a:schemeClr val="accent2"/>
-          </a:fillRef>
-          <a:effectRef idx="1">
-            <a:schemeClr val="accent2"/>
-          </a:effectRef>
-          <a:fontRef idx="minor">
-            <a:schemeClr val="tx1"/>
-          </a:fontRef>
-        </p:style>
-      </p:cxnSp>
-      <p:cxnSp>
-        <p:nvCxnSpPr>
-          <p:cNvPr id="77" name="직선 연결선 41">
-            <a:extLst>
-              <a:ext uri="{FF2B5EF4-FFF2-40B4-BE49-F238E27FC236}">
-                <a16:creationId xmlns:a16="http://schemas.microsoft.com/office/drawing/2014/main" id="{5A47D0C4-5489-4292-A96E-4115973AABD9}"/>
-              </a:ext>
-            </a:extLst>
-          </p:cNvPr>
-          <p:cNvCxnSpPr>
-            <a:cxnSpLocks/>
-          </p:cNvCxnSpPr>
-          <p:nvPr/>
-        </p:nvCxnSpPr>
-        <p:spPr bwMode="auto">
-          <a:xfrm rot="5400000" flipH="1">
-            <a:off x="3380973" y="1607908"/>
-            <a:ext cx="1692000" cy="7897916"/>
-          </a:xfrm>
-          <a:prstGeom prst="bentConnector4">
-            <a:avLst>
-              <a:gd name="adj1" fmla="val -9203"/>
-              <a:gd name="adj2" fmla="val 102309"/>
-            </a:avLst>
-          </a:prstGeom>
-          <a:ln>
-            <a:headEnd type="none" w="med" len="med"/>
-            <a:tailEnd type="arrow" w="med" len="med"/>
-          </a:ln>
-          <a:effectLst/>
-          <a:extLst/>
-        </p:spPr>
-        <p:style>
-          <a:lnRef idx="2">
-            <a:schemeClr val="accent2"/>
-          </a:lnRef>
-          <a:fillRef idx="0">
-            <a:schemeClr val="accent2"/>
-          </a:fillRef>
-          <a:effectRef idx="1">
-            <a:schemeClr val="accent2"/>
-          </a:effectRef>
-          <a:fontRef idx="minor">
-            <a:schemeClr val="tx1"/>
-          </a:fontRef>
-        </p:style>
-      </p:cxnSp>
-      <p:grpSp>
-        <p:nvGrpSpPr>
-          <p:cNvPr id="82" name="그룹 81">
-            <a:extLst>
-              <a:ext uri="{FF2B5EF4-FFF2-40B4-BE49-F238E27FC236}">
-                <a16:creationId xmlns:a16="http://schemas.microsoft.com/office/drawing/2014/main" id="{7D2EB874-AAFE-4125-8A9F-A5F0D9FDBC33}"/>
-              </a:ext>
-            </a:extLst>
-          </p:cNvPr>
-          <p:cNvGrpSpPr/>
-          <p:nvPr/>
-        </p:nvGrpSpPr>
-        <p:grpSpPr>
-          <a:xfrm>
-            <a:off x="4151992" y="4137534"/>
-            <a:ext cx="2268000" cy="1717469"/>
-            <a:chOff x="471971" y="1125600"/>
-            <a:chExt cx="3656409" cy="1717469"/>
-          </a:xfrm>
-        </p:grpSpPr>
-        <p:sp>
-          <p:nvSpPr>
-            <p:cNvPr id="83" name="직사각형 82">
-              <a:extLst>
-                <a:ext uri="{FF2B5EF4-FFF2-40B4-BE49-F238E27FC236}">
-                  <a16:creationId xmlns:a16="http://schemas.microsoft.com/office/drawing/2014/main" id="{F975ED4E-97FB-42FF-B711-8F334B5D7D38}"/>
-                </a:ext>
-              </a:extLst>
-            </p:cNvPr>
-            <p:cNvSpPr/>
-            <p:nvPr/>
-          </p:nvSpPr>
-          <p:spPr bwMode="auto">
-            <a:xfrm>
-              <a:off x="471971" y="1583069"/>
-              <a:ext cx="3656409" cy="1260000"/>
+              <a:off x="471971" y="1583070"/>
+              <a:ext cx="4180580" cy="1728000"/>
             </a:xfrm>
             <a:prstGeom prst="rect">
               <a:avLst/>
@@ -19623,2195 +19155,7 @@
             </a:fontRef>
           </p:style>
           <p:txBody>
-            <a:bodyPr vert="horz" wrap="square" lIns="72000" tIns="72000" rIns="72000" bIns="72000" numCol="1" rtlCol="0" anchor="ctr" anchorCtr="0" compatLnSpc="1">
-              <a:prstTxWarp prst="textNoShape">
-                <a:avLst/>
-              </a:prstTxWarp>
-            </a:bodyPr>
-            <a:lstStyle/>
-            <a:p>
-              <a:pPr eaLnBrk="1" hangingPunct="1">
-                <a:spcBef>
-                  <a:spcPts val="0"/>
-                </a:spcBef>
-                <a:buClr>
-                  <a:schemeClr val="tx1"/>
-                </a:buClr>
-              </a:pPr>
-              <a:r>
-                <a:rPr lang="en-US" altLang="ko-KR" sz="1050" b="0">
-                  <a:solidFill>
-                    <a:schemeClr val="tx1"/>
-                  </a:solidFill>
-                  <a:latin typeface="맑은 고딕" panose="020B0503020000020004" pitchFamily="50" charset="-127"/>
-                  <a:ea typeface="맑은 고딕" panose="020B0503020000020004" pitchFamily="50" charset="-127"/>
-                </a:rPr>
-                <a:t>urlpatterns = [</a:t>
-              </a:r>
-            </a:p>
-            <a:p>
-              <a:pPr eaLnBrk="1" hangingPunct="1">
-                <a:spcBef>
-                  <a:spcPts val="0"/>
-                </a:spcBef>
-                <a:buClr>
-                  <a:schemeClr val="tx1"/>
-                </a:buClr>
-              </a:pPr>
-              <a:r>
-                <a:rPr lang="en-US" altLang="ko-KR" sz="1050" b="0">
-                  <a:solidFill>
-                    <a:schemeClr val="tx1"/>
-                  </a:solidFill>
-                  <a:latin typeface="맑은 고딕" panose="020B0503020000020004" pitchFamily="50" charset="-127"/>
-                  <a:ea typeface="맑은 고딕" panose="020B0503020000020004" pitchFamily="50" charset="-127"/>
-                </a:rPr>
-                <a:t>  path('', views.home),</a:t>
-              </a:r>
-            </a:p>
-            <a:p>
-              <a:pPr eaLnBrk="1" hangingPunct="1">
-                <a:spcBef>
-                  <a:spcPts val="0"/>
-                </a:spcBef>
-                <a:buClr>
-                  <a:schemeClr val="tx1"/>
-                </a:buClr>
-              </a:pPr>
-              <a:r>
-                <a:rPr lang="en-US" altLang="ko-KR" sz="1050" b="0">
-                  <a:solidFill>
-                    <a:schemeClr val="tx1"/>
-                  </a:solidFill>
-                  <a:latin typeface="맑은 고딕" panose="020B0503020000020004" pitchFamily="50" charset="-127"/>
-                  <a:ea typeface="맑은 고딕" panose="020B0503020000020004" pitchFamily="50" charset="-127"/>
-                </a:rPr>
-                <a:t>  </a:t>
-              </a:r>
-              <a:r>
-                <a:rPr lang="en-US" altLang="ko-KR" sz="1100">
-                  <a:solidFill>
-                    <a:schemeClr val="tx1"/>
-                  </a:solidFill>
-                  <a:latin typeface="맑은 고딕" panose="020B0503020000020004" pitchFamily="50" charset="-127"/>
-                  <a:ea typeface="맑은 고딕" panose="020B0503020000020004" pitchFamily="50" charset="-127"/>
-                </a:rPr>
-                <a:t>path(</a:t>
-              </a:r>
-              <a:r>
-                <a:rPr lang="en-US" altLang="ko-KR" sz="1100">
-                  <a:solidFill>
-                    <a:srgbClr val="FF0000"/>
-                  </a:solidFill>
-                  <a:latin typeface="맑은 고딕" panose="020B0503020000020004" pitchFamily="50" charset="-127"/>
-                  <a:ea typeface="맑은 고딕" panose="020B0503020000020004" pitchFamily="50" charset="-127"/>
-                </a:rPr>
-                <a:t>'search</a:t>
-              </a:r>
-              <a:r>
-                <a:rPr lang="en-US" altLang="ko-KR" sz="1100">
-                  <a:solidFill>
-                    <a:schemeClr val="tx1"/>
-                  </a:solidFill>
-                  <a:latin typeface="맑은 고딕" panose="020B0503020000020004" pitchFamily="50" charset="-127"/>
-                  <a:ea typeface="맑은 고딕" panose="020B0503020000020004" pitchFamily="50" charset="-127"/>
-                </a:rPr>
-                <a:t>', </a:t>
-              </a:r>
-              <a:r>
-                <a:rPr lang="en-US" altLang="ko-KR" sz="1100">
-                  <a:solidFill>
-                    <a:srgbClr val="3333FF"/>
-                  </a:solidFill>
-                  <a:latin typeface="맑은 고딕" panose="020B0503020000020004" pitchFamily="50" charset="-127"/>
-                  <a:ea typeface="맑은 고딕" panose="020B0503020000020004" pitchFamily="50" charset="-127"/>
-                </a:rPr>
-                <a:t>views.doSearch</a:t>
-              </a:r>
-              <a:r>
-                <a:rPr lang="en-US" altLang="ko-KR" sz="1100">
-                  <a:solidFill>
-                    <a:schemeClr val="tx1"/>
-                  </a:solidFill>
-                  <a:latin typeface="맑은 고딕" panose="020B0503020000020004" pitchFamily="50" charset="-127"/>
-                  <a:ea typeface="맑은 고딕" panose="020B0503020000020004" pitchFamily="50" charset="-127"/>
-                </a:rPr>
-                <a:t>)</a:t>
-              </a:r>
-              <a:r>
-                <a:rPr lang="en-US" altLang="ko-KR" sz="1050" b="0">
-                  <a:solidFill>
-                    <a:schemeClr val="tx1"/>
-                  </a:solidFill>
-                  <a:latin typeface="맑은 고딕" panose="020B0503020000020004" pitchFamily="50" charset="-127"/>
-                  <a:ea typeface="맑은 고딕" panose="020B0503020000020004" pitchFamily="50" charset="-127"/>
-                </a:rPr>
-                <a:t>,</a:t>
-              </a:r>
-            </a:p>
-            <a:p>
-              <a:pPr eaLnBrk="1" hangingPunct="1">
-                <a:spcBef>
-                  <a:spcPts val="0"/>
-                </a:spcBef>
-                <a:buClr>
-                  <a:schemeClr val="tx1"/>
-                </a:buClr>
-              </a:pPr>
-              <a:r>
-                <a:rPr lang="en-US" altLang="ko-KR" sz="1050" b="0">
-                  <a:solidFill>
-                    <a:schemeClr val="tx1"/>
-                  </a:solidFill>
-                  <a:latin typeface="맑은 고딕" panose="020B0503020000020004" pitchFamily="50" charset="-127"/>
-                  <a:ea typeface="맑은 고딕" panose="020B0503020000020004" pitchFamily="50" charset="-127"/>
-                </a:rPr>
-                <a:t>  path('print', views.doPrint),</a:t>
-              </a:r>
-            </a:p>
-            <a:p>
-              <a:pPr eaLnBrk="1" hangingPunct="1">
-                <a:spcBef>
-                  <a:spcPts val="0"/>
-                </a:spcBef>
-                <a:buClr>
-                  <a:schemeClr val="tx1"/>
-                </a:buClr>
-              </a:pPr>
-              <a:r>
-                <a:rPr lang="en-US" altLang="ko-KR" sz="1050" b="0">
-                  <a:solidFill>
-                    <a:schemeClr val="tx1"/>
-                  </a:solidFill>
-                  <a:latin typeface="맑은 고딕" panose="020B0503020000020004" pitchFamily="50" charset="-127"/>
-                  <a:ea typeface="맑은 고딕" panose="020B0503020000020004" pitchFamily="50" charset="-127"/>
-                </a:rPr>
-                <a:t>  path('save', views.doSave),</a:t>
-              </a:r>
-            </a:p>
-            <a:p>
-              <a:pPr eaLnBrk="1" hangingPunct="1">
-                <a:spcBef>
-                  <a:spcPts val="0"/>
-                </a:spcBef>
-                <a:buClr>
-                  <a:schemeClr val="tx1"/>
-                </a:buClr>
-              </a:pPr>
-              <a:r>
-                <a:rPr lang="en-US" altLang="ko-KR" sz="1050" b="0">
-                  <a:solidFill>
-                    <a:schemeClr val="tx1"/>
-                  </a:solidFill>
-                  <a:latin typeface="맑은 고딕" panose="020B0503020000020004" pitchFamily="50" charset="-127"/>
-                  <a:ea typeface="맑은 고딕" panose="020B0503020000020004" pitchFamily="50" charset="-127"/>
-                </a:rPr>
-                <a:t>]</a:t>
-              </a:r>
-            </a:p>
-          </p:txBody>
-        </p:sp>
-        <p:sp>
-          <p:nvSpPr>
-            <p:cNvPr id="84" name="직사각형 83">
-              <a:extLst>
-                <a:ext uri="{FF2B5EF4-FFF2-40B4-BE49-F238E27FC236}">
-                  <a16:creationId xmlns:a16="http://schemas.microsoft.com/office/drawing/2014/main" id="{EAC65AFE-1CC9-4565-8684-786CF706413B}"/>
-                </a:ext>
-              </a:extLst>
-            </p:cNvPr>
-            <p:cNvSpPr/>
-            <p:nvPr/>
-          </p:nvSpPr>
-          <p:spPr bwMode="auto">
-            <a:xfrm>
-              <a:off x="471971" y="1125600"/>
-              <a:ext cx="3656409" cy="457471"/>
-            </a:xfrm>
-            <a:prstGeom prst="rect">
-              <a:avLst/>
-            </a:prstGeom>
-            <a:solidFill>
-              <a:schemeClr val="accent1">
-                <a:alpha val="40000"/>
-              </a:schemeClr>
-            </a:solidFill>
-            <a:ln w="3175">
-              <a:solidFill>
-                <a:schemeClr val="accent1">
-                  <a:lumMod val="40000"/>
-                  <a:lumOff val="60000"/>
-                </a:schemeClr>
-              </a:solidFill>
-              <a:headEnd type="none" w="med" len="med"/>
-              <a:tailEnd type="none" w="med" len="med"/>
-            </a:ln>
-            <a:effectLst/>
-            <a:extLst/>
-          </p:spPr>
-          <p:style>
-            <a:lnRef idx="1">
-              <a:schemeClr val="accent5"/>
-            </a:lnRef>
-            <a:fillRef idx="2">
-              <a:schemeClr val="accent5"/>
-            </a:fillRef>
-            <a:effectRef idx="1">
-              <a:schemeClr val="accent5"/>
-            </a:effectRef>
-            <a:fontRef idx="minor">
-              <a:schemeClr val="dk1"/>
-            </a:fontRef>
-          </p:style>
-          <p:txBody>
-            <a:bodyPr vert="horz" wrap="none" lIns="72000" tIns="72000" rIns="72000" bIns="72000" numCol="1" rtlCol="0" anchor="ctr" anchorCtr="0" compatLnSpc="1">
-              <a:prstTxWarp prst="textNoShape">
-                <a:avLst/>
-              </a:prstTxWarp>
-            </a:bodyPr>
-            <a:lstStyle/>
-            <a:p>
-              <a:pPr marL="0" lvl="1" algn="ctr" eaLnBrk="1" hangingPunct="1">
-                <a:spcBef>
-                  <a:spcPts val="0"/>
-                </a:spcBef>
-                <a:buClr>
-                  <a:schemeClr val="accent2"/>
-                </a:buClr>
-              </a:pPr>
-              <a:r>
-                <a:rPr lang="ko-KR" altLang="en-US" sz="1200">
-                  <a:solidFill>
-                    <a:schemeClr val="tx1"/>
-                  </a:solidFill>
-                  <a:latin typeface="맑은 고딕" panose="020B0503020000020004" pitchFamily="50" charset="-127"/>
-                  <a:ea typeface="맑은 고딕" panose="020B0503020000020004" pitchFamily="50" charset="-127"/>
-                </a:rPr>
-                <a:t>파이썬</a:t>
-              </a:r>
-              <a:endParaRPr lang="en-US" altLang="ko-KR" sz="1200">
-                <a:solidFill>
-                  <a:schemeClr val="tx1"/>
-                </a:solidFill>
-                <a:latin typeface="맑은 고딕" panose="020B0503020000020004" pitchFamily="50" charset="-127"/>
-                <a:ea typeface="맑은 고딕" panose="020B0503020000020004" pitchFamily="50" charset="-127"/>
-              </a:endParaRPr>
-            </a:p>
-            <a:p>
-              <a:pPr marL="0" lvl="1" algn="ctr" eaLnBrk="1" hangingPunct="1">
-                <a:spcBef>
-                  <a:spcPts val="0"/>
-                </a:spcBef>
-                <a:buClr>
-                  <a:schemeClr val="accent2"/>
-                </a:buClr>
-              </a:pPr>
-              <a:r>
-                <a:rPr lang="en-US" altLang="ko-KR" sz="1200">
-                  <a:solidFill>
-                    <a:schemeClr val="tx1"/>
-                  </a:solidFill>
-                  <a:latin typeface="맑은 고딕" panose="020B0503020000020004" pitchFamily="50" charset="-127"/>
-                  <a:ea typeface="맑은 고딕" panose="020B0503020000020004" pitchFamily="50" charset="-127"/>
-                </a:rPr>
-                <a:t>(urls.py)</a:t>
-              </a:r>
-            </a:p>
-          </p:txBody>
-        </p:sp>
-      </p:grpSp>
-      <p:cxnSp>
-        <p:nvCxnSpPr>
-          <p:cNvPr id="85" name="직선 연결선 41">
-            <a:extLst>
-              <a:ext uri="{FF2B5EF4-FFF2-40B4-BE49-F238E27FC236}">
-                <a16:creationId xmlns:a16="http://schemas.microsoft.com/office/drawing/2014/main" id="{7441EC90-F104-4F0B-B5E5-3D6ACC052CA5}"/>
-              </a:ext>
-            </a:extLst>
-          </p:cNvPr>
-          <p:cNvCxnSpPr>
-            <a:cxnSpLocks/>
-            <a:stCxn id="84" idx="3"/>
-            <a:endCxn id="69" idx="1"/>
-          </p:cNvCxnSpPr>
-          <p:nvPr/>
-        </p:nvCxnSpPr>
-        <p:spPr bwMode="auto">
-          <a:xfrm>
-            <a:off x="6419992" y="4366270"/>
-            <a:ext cx="303885" cy="0"/>
-          </a:xfrm>
-          <a:prstGeom prst="straightConnector1">
-            <a:avLst/>
-          </a:prstGeom>
-          <a:ln>
-            <a:headEnd type="none" w="med" len="med"/>
-            <a:tailEnd type="arrow" w="med" len="med"/>
-          </a:ln>
-          <a:effectLst/>
-          <a:extLst/>
-        </p:spPr>
-        <p:style>
-          <a:lnRef idx="2">
-            <a:schemeClr val="accent2"/>
-          </a:lnRef>
-          <a:fillRef idx="0">
-            <a:schemeClr val="accent2"/>
-          </a:fillRef>
-          <a:effectRef idx="1">
-            <a:schemeClr val="accent2"/>
-          </a:effectRef>
-          <a:fontRef idx="minor">
-            <a:schemeClr val="tx1"/>
-          </a:fontRef>
-        </p:style>
-      </p:cxnSp>
-      <p:grpSp>
-        <p:nvGrpSpPr>
-          <p:cNvPr id="67" name="그룹 66">
-            <a:extLst>
-              <a:ext uri="{FF2B5EF4-FFF2-40B4-BE49-F238E27FC236}">
-                <a16:creationId xmlns:a16="http://schemas.microsoft.com/office/drawing/2014/main" id="{D5A95802-BAF2-4CFD-B2C9-AD11A06DDBD6}"/>
-              </a:ext>
-            </a:extLst>
-          </p:cNvPr>
-          <p:cNvGrpSpPr/>
-          <p:nvPr/>
-        </p:nvGrpSpPr>
-        <p:grpSpPr>
-          <a:xfrm>
-            <a:off x="6723877" y="4137534"/>
-            <a:ext cx="2904108" cy="2263003"/>
-            <a:chOff x="471971" y="1125600"/>
-            <a:chExt cx="3656409" cy="2263003"/>
-          </a:xfrm>
-        </p:grpSpPr>
-        <p:sp>
-          <p:nvSpPr>
-            <p:cNvPr id="68" name="직사각형 67">
-              <a:extLst>
-                <a:ext uri="{FF2B5EF4-FFF2-40B4-BE49-F238E27FC236}">
-                  <a16:creationId xmlns:a16="http://schemas.microsoft.com/office/drawing/2014/main" id="{F7FF8633-D99C-49DA-88AE-24487DB8BC9D}"/>
-                </a:ext>
-              </a:extLst>
-            </p:cNvPr>
-            <p:cNvSpPr/>
-            <p:nvPr/>
-          </p:nvSpPr>
-          <p:spPr bwMode="auto">
-            <a:xfrm>
-              <a:off x="471971" y="1583068"/>
-              <a:ext cx="3656409" cy="1805535"/>
-            </a:xfrm>
-            <a:prstGeom prst="rect">
-              <a:avLst/>
-            </a:prstGeom>
-            <a:solidFill>
-              <a:schemeClr val="bg1"/>
-            </a:solidFill>
-            <a:ln w="3175">
-              <a:solidFill>
-                <a:schemeClr val="accent1">
-                  <a:lumMod val="40000"/>
-                  <a:lumOff val="60000"/>
-                </a:schemeClr>
-              </a:solidFill>
-              <a:headEnd type="none" w="med" len="med"/>
-              <a:tailEnd type="none" w="med" len="med"/>
-            </a:ln>
-            <a:effectLst/>
-            <a:extLst/>
-          </p:spPr>
-          <p:style>
-            <a:lnRef idx="1">
-              <a:schemeClr val="accent5"/>
-            </a:lnRef>
-            <a:fillRef idx="2">
-              <a:schemeClr val="accent5"/>
-            </a:fillRef>
-            <a:effectRef idx="1">
-              <a:schemeClr val="accent5"/>
-            </a:effectRef>
-            <a:fontRef idx="minor">
-              <a:schemeClr val="dk1"/>
-            </a:fontRef>
-          </p:style>
-          <p:txBody>
-            <a:bodyPr vert="horz" wrap="square" lIns="72000" tIns="72000" rIns="72000" bIns="72000" numCol="1" rtlCol="0" anchor="ctr" anchorCtr="0" compatLnSpc="1">
-              <a:prstTxWarp prst="textNoShape">
-                <a:avLst/>
-              </a:prstTxWarp>
-            </a:bodyPr>
-            <a:lstStyle/>
-            <a:p>
-              <a:pPr marL="90488" indent="-90488" eaLnBrk="1" hangingPunct="1">
-                <a:spcBef>
-                  <a:spcPts val="0"/>
-                </a:spcBef>
-                <a:buClr>
-                  <a:schemeClr val="tx1"/>
-                </a:buClr>
-                <a:buFont typeface="Wingdings" panose="05000000000000000000" pitchFamily="2" charset="2"/>
-                <a:buChar char="§"/>
-              </a:pPr>
-              <a:r>
-                <a:rPr lang="ko-KR" altLang="en-US" sz="1050">
-                  <a:solidFill>
-                    <a:schemeClr val="tx1"/>
-                  </a:solidFill>
-                  <a:latin typeface="맑은 고딕" panose="020B0503020000020004" pitchFamily="50" charset="-127"/>
-                  <a:ea typeface="맑은 고딕" panose="020B0503020000020004" pitchFamily="50" charset="-127"/>
-                </a:rPr>
-                <a:t>파일 </a:t>
-              </a:r>
-              <a:r>
-                <a:rPr lang="en-US" altLang="ko-KR" sz="1050">
-                  <a:solidFill>
-                    <a:schemeClr val="tx1"/>
-                  </a:solidFill>
-                  <a:latin typeface="맑은 고딕" panose="020B0503020000020004" pitchFamily="50" charset="-127"/>
-                  <a:ea typeface="맑은 고딕" panose="020B0503020000020004" pitchFamily="50" charset="-127"/>
-                </a:rPr>
-                <a:t>: esm_sys\esm_sys_1020\views.py</a:t>
-              </a:r>
-              <a:endParaRPr lang="pt-BR" altLang="ko-KR" sz="1050">
-                <a:solidFill>
-                  <a:schemeClr val="tx1"/>
-                </a:solidFill>
-                <a:latin typeface="맑은 고딕" panose="020B0503020000020004" pitchFamily="50" charset="-127"/>
-                <a:ea typeface="맑은 고딕" panose="020B0503020000020004" pitchFamily="50" charset="-127"/>
-              </a:endParaRPr>
-            </a:p>
-            <a:p>
-              <a:pPr marL="90488" indent="-90488" eaLnBrk="1" hangingPunct="1">
-                <a:spcBef>
-                  <a:spcPts val="0"/>
-                </a:spcBef>
-                <a:buClr>
-                  <a:schemeClr val="tx1"/>
-                </a:buClr>
-                <a:buFont typeface="Wingdings" panose="05000000000000000000" pitchFamily="2" charset="2"/>
-                <a:buChar char="§"/>
-              </a:pPr>
-              <a:r>
-                <a:rPr lang="ko-KR" altLang="en-US" sz="1050">
-                  <a:solidFill>
-                    <a:schemeClr val="tx1"/>
-                  </a:solidFill>
-                  <a:latin typeface="맑은 고딕" panose="020B0503020000020004" pitchFamily="50" charset="-127"/>
-                  <a:ea typeface="맑은 고딕" panose="020B0503020000020004" pitchFamily="50" charset="-127"/>
-                </a:rPr>
-                <a:t>함수 </a:t>
-              </a:r>
-              <a:r>
-                <a:rPr lang="en-US" altLang="ko-KR" sz="1050">
-                  <a:solidFill>
-                    <a:schemeClr val="tx1"/>
-                  </a:solidFill>
-                  <a:latin typeface="맑은 고딕" panose="020B0503020000020004" pitchFamily="50" charset="-127"/>
-                  <a:ea typeface="맑은 고딕" panose="020B0503020000020004" pitchFamily="50" charset="-127"/>
-                </a:rPr>
-                <a:t>: </a:t>
-              </a:r>
-              <a:r>
-                <a:rPr lang="en-US" altLang="ko-KR" sz="1050">
-                  <a:solidFill>
-                    <a:srgbClr val="3333FF"/>
-                  </a:solidFill>
-                  <a:latin typeface="맑은 고딕" panose="020B0503020000020004" pitchFamily="50" charset="-127"/>
-                  <a:ea typeface="맑은 고딕" panose="020B0503020000020004" pitchFamily="50" charset="-127"/>
-                </a:rPr>
-                <a:t>def doSearch(request, *args, **kwargs):</a:t>
-              </a:r>
-            </a:p>
-            <a:p>
-              <a:pPr marL="268288" indent="-268288" eaLnBrk="1" hangingPunct="1">
-                <a:spcBef>
-                  <a:spcPts val="0"/>
-                </a:spcBef>
-                <a:buClr>
-                  <a:schemeClr val="tx1"/>
-                </a:buClr>
-              </a:pPr>
-              <a:r>
-                <a:rPr lang="en-US" altLang="ko-KR" sz="1050">
-                  <a:solidFill>
-                    <a:schemeClr val="tx1"/>
-                  </a:solidFill>
-                  <a:latin typeface="맑은 고딕" panose="020B0503020000020004" pitchFamily="50" charset="-127"/>
-                  <a:ea typeface="맑은 고딕" panose="020B0503020000020004" pitchFamily="50" charset="-127"/>
-                </a:rPr>
-                <a:t>  1. </a:t>
-              </a:r>
-              <a:r>
-                <a:rPr lang="ko-KR" altLang="en-US" sz="1050">
-                  <a:solidFill>
-                    <a:schemeClr val="tx1"/>
-                  </a:solidFill>
-                  <a:latin typeface="맑은 고딕" panose="020B0503020000020004" pitchFamily="50" charset="-127"/>
-                  <a:ea typeface="맑은 고딕" panose="020B0503020000020004" pitchFamily="50" charset="-127"/>
-                </a:rPr>
-                <a:t>메시지 </a:t>
-              </a:r>
-              <a:r>
-                <a:rPr lang="en-US" altLang="ko-KR" sz="1050">
-                  <a:solidFill>
-                    <a:schemeClr val="tx1"/>
-                  </a:solidFill>
-                  <a:latin typeface="맑은 고딕" panose="020B0503020000020004" pitchFamily="50" charset="-127"/>
-                  <a:ea typeface="맑은 고딕" panose="020B0503020000020004" pitchFamily="50" charset="-127"/>
-                </a:rPr>
-                <a:t>: commParams = kwargs[</a:t>
-              </a:r>
-              <a:r>
-                <a:rPr lang="en-US" altLang="ko-KR" sz="1050">
-                  <a:solidFill>
-                    <a:srgbClr val="FF0000"/>
-                  </a:solidFill>
-                  <a:latin typeface="맑은 고딕" panose="020B0503020000020004" pitchFamily="50" charset="-127"/>
-                  <a:ea typeface="맑은 고딕" panose="020B0503020000020004" pitchFamily="50" charset="-127"/>
-                </a:rPr>
-                <a:t>'commParams</a:t>
-              </a:r>
-              <a:r>
-                <a:rPr lang="en-US" altLang="ko-KR" sz="1050">
-                  <a:solidFill>
-                    <a:schemeClr val="tx1"/>
-                  </a:solidFill>
-                  <a:latin typeface="맑은 고딕" panose="020B0503020000020004" pitchFamily="50" charset="-127"/>
-                  <a:ea typeface="맑은 고딕" panose="020B0503020000020004" pitchFamily="50" charset="-127"/>
-                </a:rPr>
-                <a:t>’]</a:t>
-              </a:r>
-            </a:p>
-            <a:p>
-              <a:pPr marL="268288" indent="-268288" eaLnBrk="1" hangingPunct="1">
-                <a:spcBef>
-                  <a:spcPts val="0"/>
-                </a:spcBef>
-                <a:buClr>
-                  <a:schemeClr val="tx1"/>
-                </a:buClr>
-              </a:pPr>
-              <a:r>
-                <a:rPr lang="en-US" altLang="ko-KR" sz="1050">
-                  <a:solidFill>
-                    <a:schemeClr val="tx1"/>
-                  </a:solidFill>
-                  <a:latin typeface="맑은 고딕" panose="020B0503020000020004" pitchFamily="50" charset="-127"/>
-                  <a:ea typeface="맑은 고딕" panose="020B0503020000020004" pitchFamily="50" charset="-127"/>
-                </a:rPr>
-                <a:t>  2. </a:t>
-              </a:r>
-              <a:r>
-                <a:rPr lang="ko-KR" altLang="en-US" sz="1050">
-                  <a:solidFill>
-                    <a:schemeClr val="tx1"/>
-                  </a:solidFill>
-                  <a:latin typeface="맑은 고딕" panose="020B0503020000020004" pitchFamily="50" charset="-127"/>
-                  <a:ea typeface="맑은 고딕" panose="020B0503020000020004" pitchFamily="50" charset="-127"/>
-                </a:rPr>
-                <a:t>조회결과 </a:t>
-              </a:r>
-              <a:r>
-                <a:rPr lang="en-US" altLang="ko-KR" sz="1050">
-                  <a:solidFill>
-                    <a:schemeClr val="tx1"/>
-                  </a:solidFill>
-                  <a:latin typeface="맑은 고딕" panose="020B0503020000020004" pitchFamily="50" charset="-127"/>
-                  <a:ea typeface="맑은 고딕" panose="020B0503020000020004" pitchFamily="50" charset="-127"/>
-                </a:rPr>
-                <a:t>: commParams[</a:t>
-              </a:r>
-              <a:r>
-                <a:rPr lang="en-US" altLang="ko-KR" sz="1050">
-                  <a:solidFill>
-                    <a:srgbClr val="FF0000"/>
-                  </a:solidFill>
-                  <a:latin typeface="맑은 고딕" panose="020B0503020000020004" pitchFamily="50" charset="-127"/>
-                  <a:ea typeface="맑은 고딕" panose="020B0503020000020004" pitchFamily="50" charset="-127"/>
-                </a:rPr>
-                <a:t>'data</a:t>
-              </a:r>
-              <a:r>
-                <a:rPr lang="en-US" altLang="ko-KR" sz="1050">
-                  <a:solidFill>
-                    <a:schemeClr val="tx1"/>
-                  </a:solidFill>
-                  <a:latin typeface="맑은 고딕" panose="020B0503020000020004" pitchFamily="50" charset="-127"/>
-                  <a:ea typeface="맑은 고딕" panose="020B0503020000020004" pitchFamily="50" charset="-127"/>
-                </a:rPr>
-                <a:t>'] = list(querySet.values)</a:t>
-              </a:r>
-            </a:p>
-            <a:p>
-              <a:pPr marL="90488" indent="-90488" eaLnBrk="1" hangingPunct="1">
-                <a:spcBef>
-                  <a:spcPts val="0"/>
-                </a:spcBef>
-                <a:buClr>
-                  <a:schemeClr val="tx1"/>
-                </a:buClr>
-                <a:buFont typeface="Wingdings" panose="05000000000000000000" pitchFamily="2" charset="2"/>
-                <a:buChar char="§"/>
-              </a:pPr>
-              <a:r>
-                <a:rPr lang="ko-KR" altLang="en-US" sz="1050">
-                  <a:solidFill>
-                    <a:schemeClr val="tx1"/>
-                  </a:solidFill>
-                  <a:latin typeface="맑은 고딕" panose="020B0503020000020004" pitchFamily="50" charset="-127"/>
-                  <a:ea typeface="맑은 고딕" panose="020B0503020000020004" pitchFamily="50" charset="-127"/>
-                </a:rPr>
-                <a:t>처리결과리턴 </a:t>
-              </a:r>
-              <a:r>
-                <a:rPr lang="en-US" altLang="ko-KR" sz="1050">
-                  <a:solidFill>
-                    <a:schemeClr val="tx1"/>
-                  </a:solidFill>
-                  <a:latin typeface="맑은 고딕" panose="020B0503020000020004" pitchFamily="50" charset="-127"/>
-                  <a:ea typeface="맑은 고딕" panose="020B0503020000020004" pitchFamily="50" charset="-127"/>
-                </a:rPr>
-                <a:t>: </a:t>
-              </a:r>
-              <a:r>
-                <a:rPr lang="en-US" altLang="ko-KR" sz="1050">
-                  <a:solidFill>
-                    <a:srgbClr val="3333FF"/>
-                  </a:solidFill>
-                  <a:latin typeface="맑은 고딕" panose="020B0503020000020004" pitchFamily="50" charset="-127"/>
-                  <a:ea typeface="맑은 고딕" panose="020B0503020000020004" pitchFamily="50" charset="-127"/>
-                </a:rPr>
-                <a:t>return JsonResponse(</a:t>
-              </a:r>
-              <a:r>
-                <a:rPr lang="en-US" altLang="ko-KR" sz="1050">
-                  <a:solidFill>
-                    <a:srgbClr val="FF0000"/>
-                  </a:solidFill>
-                  <a:latin typeface="맑은 고딕" panose="020B0503020000020004" pitchFamily="50" charset="-127"/>
-                  <a:ea typeface="맑은 고딕" panose="020B0503020000020004" pitchFamily="50" charset="-127"/>
-                </a:rPr>
-                <a:t>commParams</a:t>
-              </a:r>
-              <a:r>
-                <a:rPr lang="en-US" altLang="ko-KR" sz="1050">
-                  <a:solidFill>
-                    <a:srgbClr val="3333FF"/>
-                  </a:solidFill>
-                  <a:latin typeface="맑은 고딕" panose="020B0503020000020004" pitchFamily="50" charset="-127"/>
-                  <a:ea typeface="맑은 고딕" panose="020B0503020000020004" pitchFamily="50" charset="-127"/>
-                </a:rPr>
-                <a:t>)</a:t>
-              </a:r>
-            </a:p>
-          </p:txBody>
-        </p:sp>
-        <p:sp>
-          <p:nvSpPr>
-            <p:cNvPr id="69" name="직사각형 68">
-              <a:extLst>
-                <a:ext uri="{FF2B5EF4-FFF2-40B4-BE49-F238E27FC236}">
-                  <a16:creationId xmlns:a16="http://schemas.microsoft.com/office/drawing/2014/main" id="{CE343693-E900-4EC4-82DA-15841CC6F5BE}"/>
-                </a:ext>
-              </a:extLst>
-            </p:cNvPr>
-            <p:cNvSpPr/>
-            <p:nvPr/>
-          </p:nvSpPr>
-          <p:spPr bwMode="auto">
-            <a:xfrm>
-              <a:off x="471971" y="1125600"/>
-              <a:ext cx="3656409" cy="457471"/>
-            </a:xfrm>
-            <a:prstGeom prst="rect">
-              <a:avLst/>
-            </a:prstGeom>
-            <a:solidFill>
-              <a:schemeClr val="accent1">
-                <a:alpha val="40000"/>
-              </a:schemeClr>
-            </a:solidFill>
-            <a:ln w="3175">
-              <a:solidFill>
-                <a:schemeClr val="accent1">
-                  <a:lumMod val="40000"/>
-                  <a:lumOff val="60000"/>
-                </a:schemeClr>
-              </a:solidFill>
-              <a:headEnd type="none" w="med" len="med"/>
-              <a:tailEnd type="none" w="med" len="med"/>
-            </a:ln>
-            <a:effectLst/>
-            <a:extLst/>
-          </p:spPr>
-          <p:style>
-            <a:lnRef idx="1">
-              <a:schemeClr val="accent5"/>
-            </a:lnRef>
-            <a:fillRef idx="2">
-              <a:schemeClr val="accent5"/>
-            </a:fillRef>
-            <a:effectRef idx="1">
-              <a:schemeClr val="accent5"/>
-            </a:effectRef>
-            <a:fontRef idx="minor">
-              <a:schemeClr val="dk1"/>
-            </a:fontRef>
-          </p:style>
-          <p:txBody>
-            <a:bodyPr vert="horz" wrap="none" lIns="72000" tIns="72000" rIns="72000" bIns="72000" numCol="1" rtlCol="0" anchor="ctr" anchorCtr="0" compatLnSpc="1">
-              <a:prstTxWarp prst="textNoShape">
-                <a:avLst/>
-              </a:prstTxWarp>
-            </a:bodyPr>
-            <a:lstStyle/>
-            <a:p>
-              <a:pPr marL="0" lvl="1" algn="ctr" eaLnBrk="1" hangingPunct="1">
-                <a:spcBef>
-                  <a:spcPts val="0"/>
-                </a:spcBef>
-                <a:buClr>
-                  <a:schemeClr val="accent2"/>
-                </a:buClr>
-              </a:pPr>
-              <a:r>
-                <a:rPr lang="ko-KR" altLang="en-US" sz="1200">
-                  <a:solidFill>
-                    <a:schemeClr val="tx1"/>
-                  </a:solidFill>
-                  <a:latin typeface="맑은 고딕" panose="020B0503020000020004" pitchFamily="50" charset="-127"/>
-                  <a:ea typeface="맑은 고딕" panose="020B0503020000020004" pitchFamily="50" charset="-127"/>
-                </a:rPr>
-                <a:t>파이썬</a:t>
-              </a:r>
-              <a:endParaRPr lang="en-US" altLang="ko-KR" sz="1200">
-                <a:solidFill>
-                  <a:schemeClr val="tx1"/>
-                </a:solidFill>
-                <a:latin typeface="맑은 고딕" panose="020B0503020000020004" pitchFamily="50" charset="-127"/>
-                <a:ea typeface="맑은 고딕" panose="020B0503020000020004" pitchFamily="50" charset="-127"/>
-              </a:endParaRPr>
-            </a:p>
-            <a:p>
-              <a:pPr marL="0" lvl="1" algn="ctr" eaLnBrk="1" hangingPunct="1">
-                <a:spcBef>
-                  <a:spcPts val="0"/>
-                </a:spcBef>
-                <a:buClr>
-                  <a:schemeClr val="accent2"/>
-                </a:buClr>
-              </a:pPr>
-              <a:r>
-                <a:rPr lang="en-US" altLang="ko-KR" sz="1200">
-                  <a:solidFill>
-                    <a:schemeClr val="tx1"/>
-                  </a:solidFill>
-                  <a:latin typeface="맑은 고딕" panose="020B0503020000020004" pitchFamily="50" charset="-127"/>
-                  <a:ea typeface="맑은 고딕" panose="020B0503020000020004" pitchFamily="50" charset="-127"/>
-                </a:rPr>
-                <a:t>(view.py)</a:t>
-              </a:r>
-            </a:p>
-          </p:txBody>
-        </p:sp>
-      </p:grpSp>
-      <p:grpSp>
-        <p:nvGrpSpPr>
-          <p:cNvPr id="64" name="그룹 63">
-            <a:extLst>
-              <a:ext uri="{FF2B5EF4-FFF2-40B4-BE49-F238E27FC236}">
-                <a16:creationId xmlns:a16="http://schemas.microsoft.com/office/drawing/2014/main" id="{4D087CA6-A941-40CF-A667-08B6B2170B02}"/>
-              </a:ext>
-            </a:extLst>
-          </p:cNvPr>
-          <p:cNvGrpSpPr/>
-          <p:nvPr/>
-        </p:nvGrpSpPr>
-        <p:grpSpPr>
-          <a:xfrm>
-            <a:off x="278015" y="2595070"/>
-            <a:ext cx="3582793" cy="3805468"/>
-            <a:chOff x="471971" y="1125600"/>
-            <a:chExt cx="3656409" cy="3805468"/>
-          </a:xfrm>
-        </p:grpSpPr>
-        <p:sp>
-          <p:nvSpPr>
-            <p:cNvPr id="65" name="직사각형 64">
-              <a:extLst>
-                <a:ext uri="{FF2B5EF4-FFF2-40B4-BE49-F238E27FC236}">
-                  <a16:creationId xmlns:a16="http://schemas.microsoft.com/office/drawing/2014/main" id="{131125B1-49D1-4C9B-890D-4C4A36880049}"/>
-                </a:ext>
-              </a:extLst>
-            </p:cNvPr>
-            <p:cNvSpPr/>
-            <p:nvPr/>
-          </p:nvSpPr>
-          <p:spPr bwMode="auto">
-            <a:xfrm>
-              <a:off x="471971" y="1583069"/>
-              <a:ext cx="3656409" cy="1728000"/>
-            </a:xfrm>
-            <a:prstGeom prst="rect">
-              <a:avLst/>
-            </a:prstGeom>
-            <a:solidFill>
-              <a:schemeClr val="bg1"/>
-            </a:solidFill>
-            <a:ln w="3175">
-              <a:solidFill>
-                <a:schemeClr val="accent1">
-                  <a:lumMod val="40000"/>
-                  <a:lumOff val="60000"/>
-                </a:schemeClr>
-              </a:solidFill>
-              <a:headEnd type="none" w="med" len="med"/>
-              <a:tailEnd type="none" w="med" len="med"/>
-            </a:ln>
-            <a:effectLst/>
-            <a:extLst/>
-          </p:spPr>
-          <p:style>
-            <a:lnRef idx="1">
-              <a:schemeClr val="accent5"/>
-            </a:lnRef>
-            <a:fillRef idx="2">
-              <a:schemeClr val="accent5"/>
-            </a:fillRef>
-            <a:effectRef idx="1">
-              <a:schemeClr val="accent5"/>
-            </a:effectRef>
-            <a:fontRef idx="minor">
-              <a:schemeClr val="dk1"/>
-            </a:fontRef>
-          </p:style>
-          <p:txBody>
-            <a:bodyPr vert="horz" wrap="square" lIns="72000" tIns="72000" rIns="72000" bIns="72000" numCol="1" rtlCol="0" anchor="ctr" anchorCtr="0" compatLnSpc="1">
-              <a:prstTxWarp prst="textNoShape">
-                <a:avLst/>
-              </a:prstTxWarp>
-            </a:bodyPr>
-            <a:lstStyle/>
-            <a:p>
-              <a:pPr marL="90488" indent="-90488" eaLnBrk="1" hangingPunct="1">
-                <a:spcBef>
-                  <a:spcPts val="0"/>
-                </a:spcBef>
-                <a:buClr>
-                  <a:schemeClr val="tx1"/>
-                </a:buClr>
-                <a:buFont typeface="Wingdings" panose="05000000000000000000" pitchFamily="2" charset="2"/>
-                <a:buChar char="§"/>
-              </a:pPr>
-              <a:r>
-                <a:rPr lang="ko-KR" altLang="en-US">
-                  <a:solidFill>
-                    <a:schemeClr val="tx1"/>
-                  </a:solidFill>
-                  <a:latin typeface="맑은 고딕" panose="020B0503020000020004" pitchFamily="50" charset="-127"/>
-                  <a:ea typeface="맑은 고딕" panose="020B0503020000020004" pitchFamily="50" charset="-127"/>
-                </a:rPr>
-                <a:t>파일 </a:t>
-              </a:r>
-              <a:r>
-                <a:rPr lang="en-US" altLang="ko-KR">
-                  <a:solidFill>
-                    <a:schemeClr val="tx1"/>
-                  </a:solidFill>
-                  <a:latin typeface="맑은 고딕" panose="020B0503020000020004" pitchFamily="50" charset="-127"/>
-                  <a:ea typeface="맑은 고딕" panose="020B0503020000020004" pitchFamily="50" charset="-127"/>
-                </a:rPr>
-                <a:t>: static\js\lib\comTrans.js</a:t>
-              </a:r>
-              <a:endParaRPr lang="pt-BR" altLang="ko-KR">
-                <a:solidFill>
-                  <a:schemeClr val="tx1"/>
-                </a:solidFill>
-                <a:latin typeface="맑은 고딕" panose="020B0503020000020004" pitchFamily="50" charset="-127"/>
-                <a:ea typeface="맑은 고딕" panose="020B0503020000020004" pitchFamily="50" charset="-127"/>
-              </a:endParaRPr>
-            </a:p>
-            <a:p>
-              <a:pPr marL="90488" indent="-90488" eaLnBrk="1" hangingPunct="1">
-                <a:spcBef>
-                  <a:spcPts val="0"/>
-                </a:spcBef>
-                <a:buClr>
-                  <a:schemeClr val="tx1"/>
-                </a:buClr>
-                <a:buFont typeface="Wingdings" panose="05000000000000000000" pitchFamily="2" charset="2"/>
-                <a:buChar char="§"/>
-              </a:pPr>
-              <a:r>
-                <a:rPr lang="ko-KR" altLang="en-US">
-                  <a:solidFill>
-                    <a:schemeClr val="tx1"/>
-                  </a:solidFill>
-                  <a:latin typeface="맑은 고딕" panose="020B0503020000020004" pitchFamily="50" charset="-127"/>
-                  <a:ea typeface="맑은 고딕" panose="020B0503020000020004" pitchFamily="50" charset="-127"/>
-                </a:rPr>
-                <a:t>함수 </a:t>
-              </a:r>
-              <a:r>
-                <a:rPr lang="en-US" altLang="ko-KR">
-                  <a:solidFill>
-                    <a:schemeClr val="tx1"/>
-                  </a:solidFill>
-                  <a:latin typeface="맑은 고딕" panose="020B0503020000020004" pitchFamily="50" charset="-127"/>
-                  <a:ea typeface="맑은 고딕" panose="020B0503020000020004" pitchFamily="50" charset="-127"/>
-                </a:rPr>
-                <a:t>: </a:t>
-              </a:r>
-              <a:r>
-                <a:rPr lang="en-US" altLang="ko-KR">
-                  <a:solidFill>
-                    <a:srgbClr val="3333FF"/>
-                  </a:solidFill>
-                  <a:latin typeface="맑은 고딕" panose="020B0503020000020004" pitchFamily="50" charset="-127"/>
-                  <a:ea typeface="맑은 고딕" panose="020B0503020000020004" pitchFamily="50" charset="-127"/>
-                </a:rPr>
-                <a:t>gfnGetGrdData(params, callback)</a:t>
-              </a:r>
-            </a:p>
-            <a:p>
-              <a:pPr eaLnBrk="1" hangingPunct="1">
-                <a:spcBef>
-                  <a:spcPts val="0"/>
-                </a:spcBef>
-                <a:buClr>
-                  <a:schemeClr val="tx1"/>
-                </a:buClr>
-              </a:pPr>
-              <a:r>
-                <a:rPr lang="en-US" altLang="ko-KR">
-                  <a:solidFill>
-                    <a:schemeClr val="tx1"/>
-                  </a:solidFill>
-                  <a:latin typeface="맑은 고딕" panose="020B0503020000020004" pitchFamily="50" charset="-127"/>
-                  <a:ea typeface="맑은 고딕" panose="020B0503020000020004" pitchFamily="50" charset="-127"/>
-                </a:rPr>
-                <a:t>gridArr.push(params.grid);</a:t>
-              </a:r>
-            </a:p>
-            <a:p>
-              <a:pPr eaLnBrk="1" hangingPunct="1">
-                <a:spcBef>
-                  <a:spcPts val="0"/>
-                </a:spcBef>
-                <a:buClr>
-                  <a:schemeClr val="tx1"/>
-                </a:buClr>
-              </a:pPr>
-              <a:r>
-                <a:rPr lang="en-US" altLang="ko-KR">
-                  <a:solidFill>
-                    <a:schemeClr val="tx1"/>
-                  </a:solidFill>
-                  <a:latin typeface="맑은 고딕" panose="020B0503020000020004" pitchFamily="50" charset="-127"/>
-                  <a:ea typeface="맑은 고딕" panose="020B0503020000020004" pitchFamily="50" charset="-127"/>
-                </a:rPr>
-                <a:t>for (grid of gridArr) {</a:t>
-              </a:r>
-            </a:p>
-            <a:p>
-              <a:pPr eaLnBrk="1" hangingPunct="1">
-                <a:spcBef>
-                  <a:spcPts val="0"/>
-                </a:spcBef>
-                <a:buClr>
-                  <a:schemeClr val="tx1"/>
-                </a:buClr>
-              </a:pPr>
-              <a:r>
-                <a:rPr lang="en-US" altLang="ko-KR">
-                  <a:solidFill>
-                    <a:schemeClr val="tx1"/>
-                  </a:solidFill>
-                  <a:latin typeface="맑은 고딕" panose="020B0503020000020004" pitchFamily="50" charset="-127"/>
-                  <a:ea typeface="맑은 고딕" panose="020B0503020000020004" pitchFamily="50" charset="-127"/>
-                </a:rPr>
-                <a:t>    $.ajax({</a:t>
-              </a:r>
-            </a:p>
-            <a:p>
-              <a:pPr eaLnBrk="1" hangingPunct="1">
-                <a:spcBef>
-                  <a:spcPts val="0"/>
-                </a:spcBef>
-                <a:buClr>
-                  <a:schemeClr val="tx1"/>
-                </a:buClr>
-              </a:pPr>
-              <a:r>
-                <a:rPr lang="en-US" altLang="ko-KR">
-                  <a:solidFill>
-                    <a:schemeClr val="tx1"/>
-                  </a:solidFill>
-                  <a:latin typeface="맑은 고딕" panose="020B0503020000020004" pitchFamily="50" charset="-127"/>
-                  <a:ea typeface="맑은 고딕" panose="020B0503020000020004" pitchFamily="50" charset="-127"/>
-                </a:rPr>
-                <a:t>      type: "</a:t>
-              </a:r>
-              <a:r>
-                <a:rPr lang="en-US" altLang="ko-KR">
-                  <a:solidFill>
-                    <a:srgbClr val="FF0000"/>
-                  </a:solidFill>
-                  <a:latin typeface="맑은 고딕" panose="020B0503020000020004" pitchFamily="50" charset="-127"/>
-                  <a:ea typeface="맑은 고딕" panose="020B0503020000020004" pitchFamily="50" charset="-127"/>
-                </a:rPr>
-                <a:t>POST</a:t>
-              </a:r>
-              <a:r>
-                <a:rPr lang="en-US" altLang="ko-KR">
-                  <a:solidFill>
-                    <a:schemeClr val="tx1"/>
-                  </a:solidFill>
-                  <a:latin typeface="맑은 고딕" panose="020B0503020000020004" pitchFamily="50" charset="-127"/>
-                  <a:ea typeface="맑은 고딕" panose="020B0503020000020004" pitchFamily="50" charset="-127"/>
-                </a:rPr>
-                <a:t>",</a:t>
-              </a:r>
-            </a:p>
-            <a:p>
-              <a:pPr eaLnBrk="1" hangingPunct="1">
-                <a:spcBef>
-                  <a:spcPts val="0"/>
-                </a:spcBef>
-                <a:buClr>
-                  <a:schemeClr val="tx1"/>
-                </a:buClr>
-              </a:pPr>
-              <a:r>
-                <a:rPr lang="en-US" altLang="ko-KR">
-                  <a:solidFill>
-                    <a:schemeClr val="tx1"/>
-                  </a:solidFill>
-                  <a:latin typeface="맑은 고딕" panose="020B0503020000020004" pitchFamily="50" charset="-127"/>
-                  <a:ea typeface="맑은 고딕" panose="020B0503020000020004" pitchFamily="50" charset="-127"/>
-                </a:rPr>
-                <a:t>      url: </a:t>
-              </a:r>
-              <a:r>
-                <a:rPr lang="en-US" altLang="ko-KR">
-                  <a:solidFill>
-                    <a:srgbClr val="FF0000"/>
-                  </a:solidFill>
-                  <a:latin typeface="맑은 고딕" panose="020B0503020000020004" pitchFamily="50" charset="-127"/>
-                  <a:ea typeface="맑은 고딕" panose="020B0503020000020004" pitchFamily="50" charset="-127"/>
-                </a:rPr>
-                <a:t>params.url</a:t>
-              </a:r>
-              <a:r>
-                <a:rPr lang="en-US" altLang="ko-KR">
-                  <a:solidFill>
-                    <a:schemeClr val="tx1"/>
-                  </a:solidFill>
-                  <a:latin typeface="맑은 고딕" panose="020B0503020000020004" pitchFamily="50" charset="-127"/>
-                  <a:ea typeface="맑은 고딕" panose="020B0503020000020004" pitchFamily="50" charset="-127"/>
-                </a:rPr>
-                <a:t>,</a:t>
-              </a:r>
-            </a:p>
-            <a:p>
-              <a:pPr eaLnBrk="1" hangingPunct="1">
-                <a:spcBef>
-                  <a:spcPts val="0"/>
-                </a:spcBef>
-                <a:buClr>
-                  <a:schemeClr val="tx1"/>
-                </a:buClr>
-              </a:pPr>
-              <a:r>
-                <a:rPr lang="en-US" altLang="ko-KR">
-                  <a:solidFill>
-                    <a:schemeClr val="tx1"/>
-                  </a:solidFill>
-                  <a:latin typeface="맑은 고딕" panose="020B0503020000020004" pitchFamily="50" charset="-127"/>
-                  <a:ea typeface="맑은 고딕" panose="020B0503020000020004" pitchFamily="50" charset="-127"/>
-                </a:rPr>
-                <a:t>      data: params.</a:t>
-              </a:r>
-              <a:r>
-                <a:rPr lang="en-US" altLang="ko-KR">
-                  <a:solidFill>
-                    <a:srgbClr val="FF0000"/>
-                  </a:solidFill>
-                  <a:latin typeface="맑은 고딕" panose="020B0503020000020004" pitchFamily="50" charset="-127"/>
-                  <a:ea typeface="맑은 고딕" panose="020B0503020000020004" pitchFamily="50" charset="-127"/>
-                </a:rPr>
-                <a:t>mainParam</a:t>
-              </a:r>
-              <a:r>
-                <a:rPr lang="en-US" altLang="ko-KR">
-                  <a:solidFill>
-                    <a:schemeClr val="tx1"/>
-                  </a:solidFill>
-                  <a:latin typeface="맑은 고딕" panose="020B0503020000020004" pitchFamily="50" charset="-127"/>
-                  <a:ea typeface="맑은 고딕" panose="020B0503020000020004" pitchFamily="50" charset="-127"/>
-                </a:rPr>
-                <a:t>,</a:t>
-              </a:r>
-            </a:p>
-            <a:p>
-              <a:pPr eaLnBrk="1" hangingPunct="1">
-                <a:spcBef>
-                  <a:spcPts val="0"/>
-                </a:spcBef>
-                <a:buClr>
-                  <a:schemeClr val="tx1"/>
-                </a:buClr>
-              </a:pPr>
-              <a:r>
-                <a:rPr lang="en-US" altLang="ko-KR">
-                  <a:solidFill>
-                    <a:schemeClr val="tx1"/>
-                  </a:solidFill>
-                  <a:latin typeface="맑은 고딕" panose="020B0503020000020004" pitchFamily="50" charset="-127"/>
-                  <a:ea typeface="맑은 고딕" panose="020B0503020000020004" pitchFamily="50" charset="-127"/>
-                </a:rPr>
-                <a:t>      async: params.</a:t>
-              </a:r>
-              <a:r>
-                <a:rPr lang="en-US" altLang="ko-KR">
-                  <a:solidFill>
-                    <a:srgbClr val="FF0000"/>
-                  </a:solidFill>
-                  <a:latin typeface="맑은 고딕" panose="020B0503020000020004" pitchFamily="50" charset="-127"/>
-                  <a:ea typeface="맑은 고딕" panose="020B0503020000020004" pitchFamily="50" charset="-127"/>
-                </a:rPr>
-                <a:t>aync</a:t>
-              </a:r>
-              <a:r>
-                <a:rPr lang="en-US" altLang="ko-KR">
-                  <a:solidFill>
-                    <a:schemeClr val="tx1"/>
-                  </a:solidFill>
-                  <a:latin typeface="맑은 고딕" panose="020B0503020000020004" pitchFamily="50" charset="-127"/>
-                  <a:ea typeface="맑은 고딕" panose="020B0503020000020004" pitchFamily="50" charset="-127"/>
-                </a:rPr>
-                <a:t> || defaultAsync,</a:t>
-              </a:r>
-            </a:p>
-            <a:p>
-              <a:pPr eaLnBrk="1" hangingPunct="1">
-                <a:spcBef>
-                  <a:spcPts val="0"/>
-                </a:spcBef>
-                <a:buClr>
-                  <a:schemeClr val="tx1"/>
-                </a:buClr>
-              </a:pPr>
-              <a:r>
-                <a:rPr lang="en-US" altLang="ko-KR">
-                  <a:solidFill>
-                    <a:schemeClr val="tx1"/>
-                  </a:solidFill>
-                  <a:latin typeface="맑은 고딕" panose="020B0503020000020004" pitchFamily="50" charset="-127"/>
-                  <a:ea typeface="맑은 고딕" panose="020B0503020000020004" pitchFamily="50" charset="-127"/>
-                </a:rPr>
-                <a:t>      dataType: "</a:t>
-              </a:r>
-              <a:r>
-                <a:rPr lang="en-US" altLang="ko-KR">
-                  <a:solidFill>
-                    <a:srgbClr val="FF0000"/>
-                  </a:solidFill>
-                  <a:latin typeface="맑은 고딕" panose="020B0503020000020004" pitchFamily="50" charset="-127"/>
-                  <a:ea typeface="맑은 고딕" panose="020B0503020000020004" pitchFamily="50" charset="-127"/>
-                </a:rPr>
-                <a:t>json</a:t>
-              </a:r>
-              <a:r>
-                <a:rPr lang="en-US" altLang="ko-KR">
-                  <a:solidFill>
-                    <a:schemeClr val="tx1"/>
-                  </a:solidFill>
-                  <a:latin typeface="맑은 고딕" panose="020B0503020000020004" pitchFamily="50" charset="-127"/>
-                  <a:ea typeface="맑은 고딕" panose="020B0503020000020004" pitchFamily="50" charset="-127"/>
-                </a:rPr>
-                <a:t>",</a:t>
-              </a:r>
-            </a:p>
-            <a:p>
-              <a:pPr eaLnBrk="1" hangingPunct="1">
-                <a:spcBef>
-                  <a:spcPts val="0"/>
-                </a:spcBef>
-                <a:buClr>
-                  <a:schemeClr val="tx1"/>
-                </a:buClr>
-              </a:pPr>
-              <a:r>
-                <a:rPr lang="en-US" altLang="ko-KR">
-                  <a:solidFill>
-                    <a:schemeClr val="tx1"/>
-                  </a:solidFill>
-                  <a:latin typeface="맑은 고딕" panose="020B0503020000020004" pitchFamily="50" charset="-127"/>
-                  <a:ea typeface="맑은 고딕" panose="020B0503020000020004" pitchFamily="50" charset="-127"/>
-                </a:rPr>
-                <a:t>      </a:t>
-              </a:r>
-              <a:r>
-                <a:rPr lang="en-US" altLang="ko-KR" sz="1100">
-                  <a:solidFill>
-                    <a:srgbClr val="3333FF"/>
-                  </a:solidFill>
-                  <a:latin typeface="맑은 고딕" panose="020B0503020000020004" pitchFamily="50" charset="-127"/>
-                  <a:ea typeface="맑은 고딕" panose="020B0503020000020004" pitchFamily="50" charset="-127"/>
-                </a:rPr>
-                <a:t>success: function (</a:t>
-              </a:r>
-              <a:r>
-                <a:rPr lang="en-US" altLang="ko-KR" sz="1100">
-                  <a:solidFill>
-                    <a:srgbClr val="FF0000"/>
-                  </a:solidFill>
-                  <a:latin typeface="맑은 고딕" panose="020B0503020000020004" pitchFamily="50" charset="-127"/>
-                  <a:ea typeface="맑은 고딕" panose="020B0503020000020004" pitchFamily="50" charset="-127"/>
-                </a:rPr>
-                <a:t>res</a:t>
-              </a:r>
-              <a:r>
-                <a:rPr lang="en-US" altLang="ko-KR" sz="1100">
-                  <a:solidFill>
-                    <a:srgbClr val="3333FF"/>
-                  </a:solidFill>
-                  <a:latin typeface="맑은 고딕" panose="020B0503020000020004" pitchFamily="50" charset="-127"/>
-                  <a:ea typeface="맑은 고딕" panose="020B0503020000020004" pitchFamily="50" charset="-127"/>
-                </a:rPr>
-                <a:t>) </a:t>
-              </a:r>
-              <a:r>
-                <a:rPr lang="en-US" altLang="ko-KR" sz="1100">
-                  <a:solidFill>
-                    <a:srgbClr val="FF0000"/>
-                  </a:solidFill>
-                  <a:latin typeface="맑은 고딕" panose="020B0503020000020004" pitchFamily="50" charset="-127"/>
-                  <a:ea typeface="맑은 고딕" panose="020B0503020000020004" pitchFamily="50" charset="-127"/>
-                </a:rPr>
-                <a:t>{ </a:t>
-              </a:r>
-              <a:r>
-                <a:rPr lang="ko-KR" altLang="en-US" sz="1100">
-                  <a:solidFill>
-                    <a:srgbClr val="FF0000"/>
-                  </a:solidFill>
-                  <a:latin typeface="맑은 고딕" panose="020B0503020000020004" pitchFamily="50" charset="-127"/>
-                  <a:ea typeface="맑은 고딕" panose="020B0503020000020004" pitchFamily="50" charset="-127"/>
-                </a:rPr>
-                <a:t>조회결과</a:t>
-              </a:r>
-              <a:r>
-                <a:rPr lang="en-US" altLang="ko-KR" sz="1100">
-                  <a:solidFill>
-                    <a:srgbClr val="FF0000"/>
-                  </a:solidFill>
-                  <a:latin typeface="맑은 고딕" panose="020B0503020000020004" pitchFamily="50" charset="-127"/>
-                  <a:ea typeface="맑은 고딕" panose="020B0503020000020004" pitchFamily="50" charset="-127"/>
-                </a:rPr>
-                <a:t>  }</a:t>
-              </a:r>
-              <a:endParaRPr lang="en-US" altLang="ko-KR">
-                <a:solidFill>
-                  <a:srgbClr val="FF0000"/>
-                </a:solidFill>
-                <a:latin typeface="맑은 고딕" panose="020B0503020000020004" pitchFamily="50" charset="-127"/>
-                <a:ea typeface="맑은 고딕" panose="020B0503020000020004" pitchFamily="50" charset="-127"/>
-              </a:endParaRPr>
-            </a:p>
-          </p:txBody>
-        </p:sp>
-        <p:sp>
-          <p:nvSpPr>
-            <p:cNvPr id="66" name="직사각형 65">
-              <a:extLst>
-                <a:ext uri="{FF2B5EF4-FFF2-40B4-BE49-F238E27FC236}">
-                  <a16:creationId xmlns:a16="http://schemas.microsoft.com/office/drawing/2014/main" id="{A7192890-A6CB-47FF-A9B7-4FB0B995866E}"/>
-                </a:ext>
-              </a:extLst>
-            </p:cNvPr>
-            <p:cNvSpPr/>
-            <p:nvPr/>
-          </p:nvSpPr>
-          <p:spPr bwMode="auto">
-            <a:xfrm>
-              <a:off x="471971" y="1125600"/>
-              <a:ext cx="3656409" cy="457471"/>
-            </a:xfrm>
-            <a:prstGeom prst="rect">
-              <a:avLst/>
-            </a:prstGeom>
-            <a:solidFill>
-              <a:schemeClr val="accent1">
-                <a:alpha val="40000"/>
-              </a:schemeClr>
-            </a:solidFill>
-            <a:ln w="3175">
-              <a:solidFill>
-                <a:schemeClr val="accent1">
-                  <a:lumMod val="40000"/>
-                  <a:lumOff val="60000"/>
-                </a:schemeClr>
-              </a:solidFill>
-              <a:headEnd type="none" w="med" len="med"/>
-              <a:tailEnd type="none" w="med" len="med"/>
-            </a:ln>
-            <a:effectLst/>
-            <a:extLst/>
-          </p:spPr>
-          <p:style>
-            <a:lnRef idx="1">
-              <a:schemeClr val="accent5"/>
-            </a:lnRef>
-            <a:fillRef idx="2">
-              <a:schemeClr val="accent5"/>
-            </a:fillRef>
-            <a:effectRef idx="1">
-              <a:schemeClr val="accent5"/>
-            </a:effectRef>
-            <a:fontRef idx="minor">
-              <a:schemeClr val="dk1"/>
-            </a:fontRef>
-          </p:style>
-          <p:txBody>
-            <a:bodyPr vert="horz" wrap="none" lIns="72000" tIns="72000" rIns="72000" bIns="72000" numCol="1" rtlCol="0" anchor="ctr" anchorCtr="0" compatLnSpc="1">
-              <a:prstTxWarp prst="textNoShape">
-                <a:avLst/>
-              </a:prstTxWarp>
-            </a:bodyPr>
-            <a:lstStyle/>
-            <a:p>
-              <a:pPr marL="0" lvl="1" algn="ctr" eaLnBrk="1" hangingPunct="1">
-                <a:spcBef>
-                  <a:spcPts val="0"/>
-                </a:spcBef>
-                <a:buClr>
-                  <a:schemeClr val="accent2"/>
-                </a:buClr>
-              </a:pPr>
-              <a:r>
-                <a:rPr lang="en-US" altLang="ko-KR" sz="1200">
-                  <a:solidFill>
-                    <a:schemeClr val="tx1"/>
-                  </a:solidFill>
-                  <a:latin typeface="맑은 고딕" panose="020B0503020000020004" pitchFamily="50" charset="-127"/>
-                  <a:ea typeface="맑은 고딕" panose="020B0503020000020004" pitchFamily="50" charset="-127"/>
-                </a:rPr>
-                <a:t>js lib</a:t>
-              </a:r>
-            </a:p>
-            <a:p>
-              <a:pPr marL="0" lvl="1" algn="ctr" eaLnBrk="1" hangingPunct="1">
-                <a:spcBef>
-                  <a:spcPts val="0"/>
-                </a:spcBef>
-                <a:buClr>
-                  <a:schemeClr val="accent2"/>
-                </a:buClr>
-              </a:pPr>
-              <a:r>
-                <a:rPr lang="en-US" altLang="ko-KR" sz="1200">
-                  <a:solidFill>
-                    <a:schemeClr val="tx1"/>
-                  </a:solidFill>
-                  <a:latin typeface="맑은 고딕" panose="020B0503020000020004" pitchFamily="50" charset="-127"/>
-                  <a:ea typeface="맑은 고딕" panose="020B0503020000020004" pitchFamily="50" charset="-127"/>
-                </a:rPr>
-                <a:t>(ajax </a:t>
-              </a:r>
-              <a:r>
-                <a:rPr lang="ko-KR" altLang="en-US" sz="1200">
-                  <a:solidFill>
-                    <a:schemeClr val="tx1"/>
-                  </a:solidFill>
-                  <a:latin typeface="맑은 고딕" panose="020B0503020000020004" pitchFamily="50" charset="-127"/>
-                  <a:ea typeface="맑은 고딕" panose="020B0503020000020004" pitchFamily="50" charset="-127"/>
-                </a:rPr>
-                <a:t>통신</a:t>
-              </a:r>
-              <a:r>
-                <a:rPr lang="en-US" altLang="ko-KR" sz="1200">
-                  <a:solidFill>
-                    <a:schemeClr val="tx1"/>
-                  </a:solidFill>
-                  <a:latin typeface="맑은 고딕" panose="020B0503020000020004" pitchFamily="50" charset="-127"/>
-                  <a:ea typeface="맑은 고딕" panose="020B0503020000020004" pitchFamily="50" charset="-127"/>
-                </a:rPr>
-                <a:t>)</a:t>
-              </a:r>
-            </a:p>
-          </p:txBody>
-        </p:sp>
-        <p:sp>
-          <p:nvSpPr>
-            <p:cNvPr id="76" name="직사각형 75">
-              <a:extLst>
-                <a:ext uri="{FF2B5EF4-FFF2-40B4-BE49-F238E27FC236}">
-                  <a16:creationId xmlns:a16="http://schemas.microsoft.com/office/drawing/2014/main" id="{1EAE19CA-0B12-4135-A357-EA3AE1E56C5A}"/>
-                </a:ext>
-              </a:extLst>
-            </p:cNvPr>
-            <p:cNvSpPr/>
-            <p:nvPr/>
-          </p:nvSpPr>
-          <p:spPr bwMode="auto">
-            <a:xfrm>
-              <a:off x="471971" y="3311069"/>
-              <a:ext cx="3656409" cy="1619999"/>
-            </a:xfrm>
-            <a:prstGeom prst="rect">
-              <a:avLst/>
-            </a:prstGeom>
-            <a:solidFill>
-              <a:schemeClr val="bg1"/>
-            </a:solidFill>
-            <a:ln w="3175">
-              <a:solidFill>
-                <a:schemeClr val="accent1">
-                  <a:lumMod val="40000"/>
-                  <a:lumOff val="60000"/>
-                </a:schemeClr>
-              </a:solidFill>
-              <a:headEnd type="none" w="med" len="med"/>
-              <a:tailEnd type="none" w="med" len="med"/>
-            </a:ln>
-            <a:effectLst/>
-            <a:extLst/>
-          </p:spPr>
-          <p:style>
-            <a:lnRef idx="1">
-              <a:schemeClr val="accent5"/>
-            </a:lnRef>
-            <a:fillRef idx="2">
-              <a:schemeClr val="accent5"/>
-            </a:fillRef>
-            <a:effectRef idx="1">
-              <a:schemeClr val="accent5"/>
-            </a:effectRef>
-            <a:fontRef idx="minor">
-              <a:schemeClr val="dk1"/>
-            </a:fontRef>
-          </p:style>
-          <p:txBody>
-            <a:bodyPr vert="horz" wrap="square" lIns="72000" tIns="72000" rIns="72000" bIns="72000" numCol="1" rtlCol="0" anchor="ctr" anchorCtr="0" compatLnSpc="1">
-              <a:prstTxWarp prst="textNoShape">
-                <a:avLst/>
-              </a:prstTxWarp>
-            </a:bodyPr>
-            <a:lstStyle/>
-            <a:p>
-              <a:pPr marL="90488" indent="-90488" eaLnBrk="1" hangingPunct="1">
-                <a:spcBef>
-                  <a:spcPts val="0"/>
-                </a:spcBef>
-                <a:buClr>
-                  <a:schemeClr val="tx1"/>
-                </a:buClr>
-                <a:buFont typeface="Wingdings" panose="05000000000000000000" pitchFamily="2" charset="2"/>
-                <a:buChar char="§"/>
-              </a:pPr>
-              <a:r>
-                <a:rPr lang="ko-KR" altLang="en-US">
-                  <a:solidFill>
-                    <a:schemeClr val="tx1"/>
-                  </a:solidFill>
-                  <a:latin typeface="맑은 고딕" panose="020B0503020000020004" pitchFamily="50" charset="-127"/>
-                  <a:ea typeface="맑은 고딕" panose="020B0503020000020004" pitchFamily="50" charset="-127"/>
-                </a:rPr>
-                <a:t>조회결과</a:t>
-              </a:r>
-              <a:endParaRPr lang="en-US" altLang="ko-KR">
-                <a:solidFill>
-                  <a:schemeClr val="tx1"/>
-                </a:solidFill>
-                <a:latin typeface="맑은 고딕" panose="020B0503020000020004" pitchFamily="50" charset="-127"/>
-                <a:ea typeface="맑은 고딕" panose="020B0503020000020004" pitchFamily="50" charset="-127"/>
-              </a:endParaRPr>
-            </a:p>
-            <a:p>
-              <a:pPr eaLnBrk="1" hangingPunct="1">
-                <a:spcBef>
-                  <a:spcPts val="0"/>
-                </a:spcBef>
-                <a:buClr>
-                  <a:schemeClr val="tx1"/>
-                </a:buClr>
-              </a:pPr>
-              <a:r>
-                <a:rPr lang="en-US" altLang="ko-KR">
-                  <a:solidFill>
-                    <a:schemeClr val="tx1"/>
-                  </a:solidFill>
-                  <a:latin typeface="맑은 고딕" panose="020B0503020000020004" pitchFamily="50" charset="-127"/>
-                  <a:ea typeface="맑은 고딕" panose="020B0503020000020004" pitchFamily="50" charset="-127"/>
-                </a:rPr>
-                <a:t>1. </a:t>
-              </a:r>
-              <a:r>
-                <a:rPr lang="ko-KR" altLang="en-US">
-                  <a:solidFill>
-                    <a:schemeClr val="tx1"/>
-                  </a:solidFill>
-                  <a:latin typeface="맑은 고딕" panose="020B0503020000020004" pitchFamily="50" charset="-127"/>
-                  <a:ea typeface="맑은 고딕" panose="020B0503020000020004" pitchFamily="50" charset="-127"/>
-                </a:rPr>
-                <a:t>메시지 없을 경우</a:t>
-              </a:r>
-              <a:endParaRPr lang="en-US" altLang="ko-KR">
-                <a:solidFill>
-                  <a:schemeClr val="tx1"/>
-                </a:solidFill>
-                <a:latin typeface="맑은 고딕" panose="020B0503020000020004" pitchFamily="50" charset="-127"/>
-                <a:ea typeface="맑은 고딕" panose="020B0503020000020004" pitchFamily="50" charset="-127"/>
-              </a:endParaRPr>
-            </a:p>
-            <a:p>
-              <a:pPr eaLnBrk="1" hangingPunct="1">
-                <a:spcBef>
-                  <a:spcPts val="0"/>
-                </a:spcBef>
-                <a:buClr>
-                  <a:schemeClr val="tx1"/>
-                </a:buClr>
-              </a:pPr>
-              <a:r>
-                <a:rPr lang="en-US" altLang="ko-KR" b="0">
-                  <a:solidFill>
-                    <a:srgbClr val="3333FF"/>
-                  </a:solidFill>
-                  <a:latin typeface="맑은 고딕" panose="020B0503020000020004" pitchFamily="50" charset="-127"/>
-                  <a:ea typeface="맑은 고딕" panose="020B0503020000020004" pitchFamily="50" charset="-127"/>
-                </a:rPr>
-                <a:t>- </a:t>
-              </a:r>
-              <a:r>
-                <a:rPr lang="ko-KR" altLang="en-US" b="0">
-                  <a:solidFill>
-                    <a:srgbClr val="3333FF"/>
-                  </a:solidFill>
-                  <a:latin typeface="맑은 고딕" panose="020B0503020000020004" pitchFamily="50" charset="-127"/>
-                  <a:ea typeface="맑은 고딕" panose="020B0503020000020004" pitchFamily="50" charset="-127"/>
-                </a:rPr>
-                <a:t>건수 및 그리드에 값 전달</a:t>
-              </a:r>
-              <a:endParaRPr lang="en-US" altLang="ko-KR" b="0">
-                <a:solidFill>
-                  <a:srgbClr val="3333FF"/>
-                </a:solidFill>
-                <a:latin typeface="맑은 고딕" panose="020B0503020000020004" pitchFamily="50" charset="-127"/>
-                <a:ea typeface="맑은 고딕" panose="020B0503020000020004" pitchFamily="50" charset="-127"/>
-              </a:endParaRPr>
-            </a:p>
-            <a:p>
-              <a:pPr eaLnBrk="1" hangingPunct="1">
-                <a:spcBef>
-                  <a:spcPts val="0"/>
-                </a:spcBef>
-                <a:buClr>
-                  <a:schemeClr val="tx1"/>
-                </a:buClr>
-              </a:pPr>
-              <a:r>
-                <a:rPr lang="en-US" altLang="ko-KR" b="0">
-                  <a:solidFill>
-                    <a:srgbClr val="3333FF"/>
-                  </a:solidFill>
-                  <a:latin typeface="맑은 고딕" panose="020B0503020000020004" pitchFamily="50" charset="-127"/>
-                  <a:ea typeface="맑은 고딕" panose="020B0503020000020004" pitchFamily="50" charset="-127"/>
-                </a:rPr>
-                <a:t>- </a:t>
-              </a:r>
-              <a:r>
-                <a:rPr lang="en-US" altLang="ko-KR" b="0">
-                  <a:solidFill>
-                    <a:srgbClr val="FF0000"/>
-                  </a:solidFill>
-                  <a:latin typeface="맑은 고딕" panose="020B0503020000020004" pitchFamily="50" charset="-127"/>
-                  <a:ea typeface="맑은 고딕" panose="020B0503020000020004" pitchFamily="50" charset="-127"/>
-                </a:rPr>
-                <a:t>window[grid].closest('.grid').find</a:t>
-              </a:r>
-              <a:r>
-                <a:rPr lang="en-US" altLang="ko-KR" b="0">
-                  <a:solidFill>
-                    <a:srgbClr val="3333FF"/>
-                  </a:solidFill>
-                  <a:latin typeface="맑은 고딕" panose="020B0503020000020004" pitchFamily="50" charset="-127"/>
-                  <a:ea typeface="맑은 고딕" panose="020B0503020000020004" pitchFamily="50" charset="-127"/>
-                </a:rPr>
-                <a:t>('.grid-title__cnt').text(titleCnt);</a:t>
-              </a:r>
-            </a:p>
-            <a:p>
-              <a:pPr eaLnBrk="1" hangingPunct="1">
-                <a:spcBef>
-                  <a:spcPts val="0"/>
-                </a:spcBef>
-                <a:buClr>
-                  <a:schemeClr val="tx1"/>
-                </a:buClr>
-              </a:pPr>
-              <a:r>
-                <a:rPr lang="en-US" altLang="ko-KR" b="0">
-                  <a:solidFill>
-                    <a:srgbClr val="3333FF"/>
-                  </a:solidFill>
-                  <a:latin typeface="맑은 고딕" panose="020B0503020000020004" pitchFamily="50" charset="-127"/>
-                  <a:ea typeface="맑은 고딕" panose="020B0503020000020004" pitchFamily="50" charset="-127"/>
-                </a:rPr>
-                <a:t>- </a:t>
-              </a:r>
-              <a:r>
-                <a:rPr lang="en-US" altLang="ko-KR" b="0">
-                  <a:solidFill>
-                    <a:srgbClr val="FF0000"/>
-                  </a:solidFill>
-                  <a:latin typeface="맑은 고딕" panose="020B0503020000020004" pitchFamily="50" charset="-127"/>
-                  <a:ea typeface="맑은 고딕" panose="020B0503020000020004" pitchFamily="50" charset="-127"/>
-                </a:rPr>
-                <a:t>window[grid].provider.setRows</a:t>
-              </a:r>
-              <a:r>
-                <a:rPr lang="en-US" altLang="ko-KR" b="0">
-                  <a:solidFill>
-                    <a:srgbClr val="3333FF"/>
-                  </a:solidFill>
-                  <a:latin typeface="맑은 고딕" panose="020B0503020000020004" pitchFamily="50" charset="-127"/>
-                  <a:ea typeface="맑은 고딕" panose="020B0503020000020004" pitchFamily="50" charset="-127"/>
-                </a:rPr>
-                <a:t>(result);</a:t>
-              </a:r>
-            </a:p>
-            <a:p>
-              <a:pPr eaLnBrk="1" hangingPunct="1">
-                <a:spcBef>
-                  <a:spcPts val="0"/>
-                </a:spcBef>
-                <a:buClr>
-                  <a:schemeClr val="tx1"/>
-                </a:buClr>
-              </a:pPr>
-              <a:r>
-                <a:rPr lang="en-US" altLang="ko-KR" b="0">
-                  <a:solidFill>
-                    <a:srgbClr val="3333FF"/>
-                  </a:solidFill>
-                  <a:latin typeface="맑은 고딕" panose="020B0503020000020004" pitchFamily="50" charset="-127"/>
-                  <a:ea typeface="맑은 고딕" panose="020B0503020000020004" pitchFamily="50" charset="-127"/>
-                </a:rPr>
-                <a:t>- </a:t>
-              </a:r>
-              <a:r>
-                <a:rPr lang="ko-KR" altLang="en-US" b="0">
-                  <a:solidFill>
-                    <a:srgbClr val="3333FF"/>
-                  </a:solidFill>
-                  <a:latin typeface="맑은 고딕" panose="020B0503020000020004" pitchFamily="50" charset="-127"/>
-                  <a:ea typeface="맑은 고딕" panose="020B0503020000020004" pitchFamily="50" charset="-127"/>
-                </a:rPr>
-                <a:t>콜백 </a:t>
-              </a:r>
-              <a:r>
-                <a:rPr lang="en-US" altLang="ko-KR" b="0">
-                  <a:solidFill>
-                    <a:srgbClr val="3333FF"/>
-                  </a:solidFill>
-                  <a:latin typeface="맑은 고딕" panose="020B0503020000020004" pitchFamily="50" charset="-127"/>
-                  <a:ea typeface="맑은 고딕" panose="020B0503020000020004" pitchFamily="50" charset="-127"/>
-                </a:rPr>
-                <a:t>:  callback();</a:t>
-              </a:r>
-            </a:p>
-            <a:p>
-              <a:pPr eaLnBrk="1" hangingPunct="1">
-                <a:spcBef>
-                  <a:spcPts val="0"/>
-                </a:spcBef>
-                <a:buClr>
-                  <a:schemeClr val="tx1"/>
-                </a:buClr>
-              </a:pPr>
-              <a:r>
-                <a:rPr lang="en-US" altLang="ko-KR">
-                  <a:solidFill>
-                    <a:schemeClr val="tx1"/>
-                  </a:solidFill>
-                  <a:latin typeface="맑은 고딕" panose="020B0503020000020004" pitchFamily="50" charset="-127"/>
-                  <a:ea typeface="맑은 고딕" panose="020B0503020000020004" pitchFamily="50" charset="-127"/>
-                </a:rPr>
-                <a:t>2. </a:t>
-              </a:r>
-              <a:r>
-                <a:rPr lang="ko-KR" altLang="en-US">
-                  <a:solidFill>
-                    <a:schemeClr val="tx1"/>
-                  </a:solidFill>
-                  <a:latin typeface="맑은 고딕" panose="020B0503020000020004" pitchFamily="50" charset="-127"/>
-                  <a:ea typeface="맑은 고딕" panose="020B0503020000020004" pitchFamily="50" charset="-127"/>
-                </a:rPr>
-                <a:t>메시지 존재할 경우</a:t>
-              </a:r>
-              <a:endParaRPr lang="en-US" altLang="ko-KR">
-                <a:solidFill>
-                  <a:schemeClr val="tx1"/>
-                </a:solidFill>
-                <a:latin typeface="맑은 고딕" panose="020B0503020000020004" pitchFamily="50" charset="-127"/>
-                <a:ea typeface="맑은 고딕" panose="020B0503020000020004" pitchFamily="50" charset="-127"/>
-              </a:endParaRPr>
-            </a:p>
-            <a:p>
-              <a:pPr eaLnBrk="1" hangingPunct="1">
-                <a:spcBef>
-                  <a:spcPts val="0"/>
-                </a:spcBef>
-                <a:buClr>
-                  <a:schemeClr val="tx1"/>
-                </a:buClr>
-              </a:pPr>
-              <a:r>
-                <a:rPr lang="en-US" altLang="ko-KR" b="0">
-                  <a:solidFill>
-                    <a:schemeClr val="tx1"/>
-                  </a:solidFill>
-                  <a:latin typeface="맑은 고딕" panose="020B0503020000020004" pitchFamily="50" charset="-127"/>
-                  <a:ea typeface="맑은 고딕" panose="020B0503020000020004" pitchFamily="50" charset="-127"/>
-                </a:rPr>
-                <a:t>- </a:t>
-              </a:r>
-              <a:r>
-                <a:rPr lang="en-US" altLang="ko-KR" b="0">
-                  <a:solidFill>
-                    <a:srgbClr val="3333FF"/>
-                  </a:solidFill>
-                  <a:latin typeface="맑은 고딕" panose="020B0503020000020004" pitchFamily="50" charset="-127"/>
-                  <a:ea typeface="맑은 고딕" panose="020B0503020000020004" pitchFamily="50" charset="-127"/>
-                </a:rPr>
-                <a:t>$("#errorModal #errorModalContents").html(res.msg);</a:t>
-              </a:r>
-            </a:p>
-            <a:p>
-              <a:pPr eaLnBrk="1" hangingPunct="1">
-                <a:spcBef>
-                  <a:spcPts val="0"/>
-                </a:spcBef>
-                <a:buClr>
-                  <a:schemeClr val="tx1"/>
-                </a:buClr>
-              </a:pPr>
-              <a:r>
-                <a:rPr lang="en-US" altLang="ko-KR" b="0">
-                  <a:solidFill>
-                    <a:srgbClr val="3333FF"/>
-                  </a:solidFill>
-                  <a:latin typeface="맑은 고딕" panose="020B0503020000020004" pitchFamily="50" charset="-127"/>
-                  <a:ea typeface="맑은 고딕" panose="020B0503020000020004" pitchFamily="50" charset="-127"/>
-                </a:rPr>
-                <a:t>- $("#errorModal").modal("show");</a:t>
-              </a:r>
-              <a:endParaRPr lang="en-US" altLang="ko-KR" b="0">
-                <a:solidFill>
-                  <a:schemeClr val="tx1"/>
-                </a:solidFill>
-                <a:latin typeface="맑은 고딕" panose="020B0503020000020004" pitchFamily="50" charset="-127"/>
-                <a:ea typeface="맑은 고딕" panose="020B0503020000020004" pitchFamily="50" charset="-127"/>
-              </a:endParaRPr>
-            </a:p>
-          </p:txBody>
-        </p:sp>
-      </p:grpSp>
-      <p:sp>
-        <p:nvSpPr>
-          <p:cNvPr id="86" name="타원 85">
-            <a:extLst>
-              <a:ext uri="{FF2B5EF4-FFF2-40B4-BE49-F238E27FC236}">
-                <a16:creationId xmlns:a16="http://schemas.microsoft.com/office/drawing/2014/main" id="{9C703C1A-79BD-4DD8-9F4A-386F90748F8D}"/>
-              </a:ext>
-            </a:extLst>
-          </p:cNvPr>
-          <p:cNvSpPr/>
-          <p:nvPr/>
-        </p:nvSpPr>
-        <p:spPr bwMode="auto">
-          <a:xfrm>
-            <a:off x="2927927" y="4996899"/>
-            <a:ext cx="756000" cy="756000"/>
-          </a:xfrm>
-          <a:prstGeom prst="ellipse">
-            <a:avLst/>
-          </a:prstGeom>
-          <a:ln>
-            <a:headEnd type="none" w="med" len="med"/>
-            <a:tailEnd type="none" w="med" len="med"/>
-          </a:ln>
-          <a:extLst>
-            <a:ext uri="{AF507438-7753-43E0-B8FC-AC1667EBCBE1}">
-              <a14:hiddenEffects xmlns:a14="http://schemas.microsoft.com/office/drawing/2010/main">
-                <a:effectLst>
-                  <a:outerShdw dist="35921" dir="2700000" algn="ctr" rotWithShape="0">
-                    <a:schemeClr val="bg2"/>
-                  </a:outerShdw>
-                </a:effectLst>
-              </a14:hiddenEffects>
-            </a:ext>
-          </a:extLst>
-        </p:spPr>
-        <p:style>
-          <a:lnRef idx="1">
-            <a:schemeClr val="accent2"/>
-          </a:lnRef>
-          <a:fillRef idx="2">
-            <a:schemeClr val="accent2"/>
-          </a:fillRef>
-          <a:effectRef idx="1">
-            <a:schemeClr val="accent2"/>
-          </a:effectRef>
-          <a:fontRef idx="minor">
-            <a:schemeClr val="dk1"/>
-          </a:fontRef>
-        </p:style>
-        <p:txBody>
-          <a:bodyPr vert="horz" wrap="none" lIns="0" tIns="0" rIns="0" bIns="0" numCol="1" rtlCol="0" anchor="ctr" anchorCtr="0" compatLnSpc="1">
-            <a:prstTxWarp prst="textNoShape">
-              <a:avLst/>
-            </a:prstTxWarp>
-          </a:bodyPr>
-          <a:lstStyle/>
-          <a:p>
-            <a:pPr marL="0" marR="0" indent="0" algn="ctr" defTabSz="914400" rtl="0" eaLnBrk="1" fontAlgn="base" latinLnBrk="0" hangingPunct="1">
-              <a:lnSpc>
-                <a:spcPct val="100000"/>
-              </a:lnSpc>
-              <a:spcBef>
-                <a:spcPts val="0"/>
-              </a:spcBef>
-              <a:spcAft>
-                <a:spcPct val="0"/>
-              </a:spcAft>
-              <a:buClr>
-                <a:schemeClr val="accent2"/>
-              </a:buClr>
-              <a:buSzTx/>
-              <a:buFont typeface="Wingdings" pitchFamily="2" charset="2"/>
-              <a:buNone/>
-              <a:tabLst/>
-            </a:pPr>
-            <a:r>
-              <a:rPr kumimoji="0" lang="ko-KR" altLang="en-US" sz="1000" b="1" i="0" u="none" strike="noStrike" cap="none" normalizeH="0" baseline="0">
-                <a:ln>
-                  <a:noFill/>
-                </a:ln>
-                <a:solidFill>
-                  <a:srgbClr val="C00000"/>
-                </a:solidFill>
-                <a:effectLst/>
-                <a:latin typeface="맑은 고딕" panose="020B0503020000020004" pitchFamily="50" charset="-127"/>
-                <a:ea typeface="맑은 고딕" panose="020B0503020000020004" pitchFamily="50" charset="-127"/>
-                <a:cs typeface="굴림" pitchFamily="50" charset="-127"/>
-              </a:rPr>
-              <a:t>어떻게</a:t>
-            </a:r>
-            <a:endParaRPr kumimoji="0" lang="en-US" altLang="ko-KR" sz="1000" b="1" i="0" u="none" strike="noStrike" cap="none" normalizeH="0" baseline="0">
-              <a:ln>
-                <a:noFill/>
-              </a:ln>
-              <a:solidFill>
-                <a:srgbClr val="C00000"/>
-              </a:solidFill>
-              <a:effectLst/>
-              <a:latin typeface="맑은 고딕" panose="020B0503020000020004" pitchFamily="50" charset="-127"/>
-              <a:ea typeface="맑은 고딕" panose="020B0503020000020004" pitchFamily="50" charset="-127"/>
-              <a:cs typeface="굴림" pitchFamily="50" charset="-127"/>
-            </a:endParaRPr>
-          </a:p>
-          <a:p>
-            <a:pPr marL="0" marR="0" indent="0" algn="ctr" defTabSz="914400" rtl="0" eaLnBrk="1" fontAlgn="base" latinLnBrk="0" hangingPunct="1">
-              <a:lnSpc>
-                <a:spcPct val="100000"/>
-              </a:lnSpc>
-              <a:spcBef>
-                <a:spcPts val="0"/>
-              </a:spcBef>
-              <a:spcAft>
-                <a:spcPct val="0"/>
-              </a:spcAft>
-              <a:buClr>
-                <a:schemeClr val="accent2"/>
-              </a:buClr>
-              <a:buSzTx/>
-              <a:buFont typeface="Wingdings" pitchFamily="2" charset="2"/>
-              <a:buNone/>
-              <a:tabLst/>
-            </a:pPr>
-            <a:r>
-              <a:rPr lang="en-US" altLang="ko-KR">
-                <a:solidFill>
-                  <a:srgbClr val="C00000"/>
-                </a:solidFill>
-                <a:latin typeface="맑은 고딕" panose="020B0503020000020004" pitchFamily="50" charset="-127"/>
-                <a:ea typeface="맑은 고딕" panose="020B0503020000020004" pitchFamily="50" charset="-127"/>
-                <a:cs typeface="굴림" pitchFamily="50" charset="-127"/>
-              </a:rPr>
-              <a:t>html</a:t>
-            </a:r>
-          </a:p>
-          <a:p>
-            <a:pPr marL="0" marR="0" indent="0" algn="ctr" defTabSz="914400" rtl="0" eaLnBrk="1" fontAlgn="base" latinLnBrk="0" hangingPunct="1">
-              <a:lnSpc>
-                <a:spcPct val="100000"/>
-              </a:lnSpc>
-              <a:spcBef>
-                <a:spcPts val="0"/>
-              </a:spcBef>
-              <a:spcAft>
-                <a:spcPct val="0"/>
-              </a:spcAft>
-              <a:buClr>
-                <a:schemeClr val="accent2"/>
-              </a:buClr>
-              <a:buSzTx/>
-              <a:buFont typeface="Wingdings" pitchFamily="2" charset="2"/>
-              <a:buNone/>
-              <a:tabLst/>
-            </a:pPr>
-            <a:r>
-              <a:rPr kumimoji="0" lang="ko-KR" altLang="en-US" sz="1000" b="1" i="0" u="none" strike="noStrike" cap="none" normalizeH="0" baseline="0">
-                <a:ln>
-                  <a:noFill/>
-                </a:ln>
-                <a:solidFill>
-                  <a:srgbClr val="C00000"/>
-                </a:solidFill>
-                <a:effectLst/>
-                <a:latin typeface="맑은 고딕" panose="020B0503020000020004" pitchFamily="50" charset="-127"/>
-                <a:ea typeface="맑은 고딕" panose="020B0503020000020004" pitchFamily="50" charset="-127"/>
-                <a:cs typeface="굴림" pitchFamily="50" charset="-127"/>
-              </a:rPr>
-              <a:t>찾는지</a:t>
-            </a:r>
-            <a:r>
-              <a:rPr kumimoji="0" lang="en-US" altLang="ko-KR" sz="1000" b="1" i="0" u="none" strike="noStrike" cap="none" normalizeH="0" baseline="0">
-                <a:ln>
-                  <a:noFill/>
-                </a:ln>
-                <a:solidFill>
-                  <a:srgbClr val="C00000"/>
-                </a:solidFill>
-                <a:effectLst/>
-                <a:latin typeface="맑은 고딕" panose="020B0503020000020004" pitchFamily="50" charset="-127"/>
-                <a:ea typeface="맑은 고딕" panose="020B0503020000020004" pitchFamily="50" charset="-127"/>
-                <a:cs typeface="굴림" pitchFamily="50" charset="-127"/>
-              </a:rPr>
-              <a:t>?</a:t>
-            </a:r>
-          </a:p>
-          <a:p>
-            <a:pPr marL="0" marR="0" indent="0" algn="ctr" defTabSz="914400" rtl="0" eaLnBrk="1" fontAlgn="base" latinLnBrk="0" hangingPunct="1">
-              <a:lnSpc>
-                <a:spcPct val="100000"/>
-              </a:lnSpc>
-              <a:spcBef>
-                <a:spcPts val="0"/>
-              </a:spcBef>
-              <a:spcAft>
-                <a:spcPct val="0"/>
-              </a:spcAft>
-              <a:buClr>
-                <a:schemeClr val="accent2"/>
-              </a:buClr>
-              <a:buSzTx/>
-              <a:buFont typeface="Wingdings" pitchFamily="2" charset="2"/>
-              <a:buNone/>
-              <a:tabLst/>
-            </a:pPr>
-            <a:r>
-              <a:rPr lang="ko-KR" altLang="en-US">
-                <a:solidFill>
-                  <a:srgbClr val="C00000"/>
-                </a:solidFill>
-                <a:latin typeface="맑은 고딕" panose="020B0503020000020004" pitchFamily="50" charset="-127"/>
-                <a:ea typeface="맑은 고딕" panose="020B0503020000020004" pitchFamily="50" charset="-127"/>
-                <a:cs typeface="굴림" pitchFamily="50" charset="-127"/>
-              </a:rPr>
-              <a:t>건수</a:t>
-            </a:r>
-            <a:endParaRPr kumimoji="0" lang="ko-KR" altLang="en-US" sz="1000" b="1" i="0" u="none" strike="noStrike" cap="none" normalizeH="0" baseline="0">
-              <a:ln>
-                <a:noFill/>
-              </a:ln>
-              <a:solidFill>
-                <a:srgbClr val="C00000"/>
-              </a:solidFill>
-              <a:effectLst/>
-              <a:latin typeface="맑은 고딕" panose="020B0503020000020004" pitchFamily="50" charset="-127"/>
-              <a:ea typeface="맑은 고딕" panose="020B0503020000020004" pitchFamily="50" charset="-127"/>
-              <a:cs typeface="굴림" pitchFamily="50" charset="-127"/>
-            </a:endParaRPr>
-          </a:p>
-        </p:txBody>
-      </p:sp>
-      <p:cxnSp>
-        <p:nvCxnSpPr>
-          <p:cNvPr id="89" name="직선 연결선 41">
-            <a:extLst>
-              <a:ext uri="{FF2B5EF4-FFF2-40B4-BE49-F238E27FC236}">
-                <a16:creationId xmlns:a16="http://schemas.microsoft.com/office/drawing/2014/main" id="{D5552B8A-E8A6-4ED7-9B24-FF66CB81B550}"/>
-              </a:ext>
-            </a:extLst>
-          </p:cNvPr>
-          <p:cNvCxnSpPr>
-            <a:cxnSpLocks/>
-          </p:cNvCxnSpPr>
-          <p:nvPr/>
-        </p:nvCxnSpPr>
-        <p:spPr bwMode="auto">
-          <a:xfrm>
-            <a:off x="3860808" y="1185554"/>
-            <a:ext cx="288000" cy="0"/>
-          </a:xfrm>
-          <a:prstGeom prst="straightConnector1">
-            <a:avLst/>
-          </a:prstGeom>
-          <a:ln>
-            <a:headEnd type="none" w="med" len="med"/>
-            <a:tailEnd type="arrow" w="med" len="med"/>
-          </a:ln>
-          <a:effectLst/>
-          <a:extLst/>
-        </p:spPr>
-        <p:style>
-          <a:lnRef idx="2">
-            <a:schemeClr val="accent2"/>
-          </a:lnRef>
-          <a:fillRef idx="0">
-            <a:schemeClr val="accent2"/>
-          </a:fillRef>
-          <a:effectRef idx="1">
-            <a:schemeClr val="accent2"/>
-          </a:effectRef>
-          <a:fontRef idx="minor">
-            <a:schemeClr val="tx1"/>
-          </a:fontRef>
-        </p:style>
-      </p:cxnSp>
-      <p:cxnSp>
-        <p:nvCxnSpPr>
-          <p:cNvPr id="90" name="직선 연결선 41">
-            <a:extLst>
-              <a:ext uri="{FF2B5EF4-FFF2-40B4-BE49-F238E27FC236}">
-                <a16:creationId xmlns:a16="http://schemas.microsoft.com/office/drawing/2014/main" id="{DBEEE3FB-721A-44B6-82FA-500D7ED58833}"/>
-              </a:ext>
-            </a:extLst>
-          </p:cNvPr>
-          <p:cNvCxnSpPr>
-            <a:cxnSpLocks/>
-          </p:cNvCxnSpPr>
-          <p:nvPr/>
-        </p:nvCxnSpPr>
-        <p:spPr bwMode="auto">
-          <a:xfrm>
-            <a:off x="5263934" y="1185554"/>
-            <a:ext cx="288000" cy="0"/>
-          </a:xfrm>
-          <a:prstGeom prst="straightConnector1">
-            <a:avLst/>
-          </a:prstGeom>
-          <a:ln>
-            <a:headEnd type="none" w="med" len="med"/>
-            <a:tailEnd type="arrow" w="med" len="med"/>
-          </a:ln>
-          <a:effectLst/>
-          <a:extLst/>
-        </p:spPr>
-        <p:style>
-          <a:lnRef idx="2">
-            <a:schemeClr val="accent2"/>
-          </a:lnRef>
-          <a:fillRef idx="0">
-            <a:schemeClr val="accent2"/>
-          </a:fillRef>
-          <a:effectRef idx="1">
-            <a:schemeClr val="accent2"/>
-          </a:effectRef>
-          <a:fontRef idx="minor">
-            <a:schemeClr val="tx1"/>
-          </a:fontRef>
-        </p:style>
-      </p:cxnSp>
-      <p:grpSp>
-        <p:nvGrpSpPr>
-          <p:cNvPr id="21" name="그룹 20">
-            <a:extLst>
-              <a:ext uri="{FF2B5EF4-FFF2-40B4-BE49-F238E27FC236}">
-                <a16:creationId xmlns:a16="http://schemas.microsoft.com/office/drawing/2014/main" id="{934A1CB7-C9D6-4779-B26B-B35ADB89E064}"/>
-              </a:ext>
-            </a:extLst>
-          </p:cNvPr>
-          <p:cNvGrpSpPr/>
-          <p:nvPr/>
-        </p:nvGrpSpPr>
-        <p:grpSpPr>
-          <a:xfrm>
-            <a:off x="278015" y="1014766"/>
-            <a:ext cx="3582793" cy="1501470"/>
-            <a:chOff x="471971" y="1125600"/>
-            <a:chExt cx="3656409" cy="1501470"/>
-          </a:xfrm>
-        </p:grpSpPr>
-        <p:sp>
-          <p:nvSpPr>
-            <p:cNvPr id="22" name="직사각형 21">
-              <a:extLst>
-                <a:ext uri="{FF2B5EF4-FFF2-40B4-BE49-F238E27FC236}">
-                  <a16:creationId xmlns:a16="http://schemas.microsoft.com/office/drawing/2014/main" id="{28881855-29A1-4485-BC3C-C326150C043C}"/>
-                </a:ext>
-              </a:extLst>
-            </p:cNvPr>
-            <p:cNvSpPr/>
-            <p:nvPr/>
-          </p:nvSpPr>
-          <p:spPr bwMode="auto">
-            <a:xfrm>
-              <a:off x="471971" y="1583070"/>
-              <a:ext cx="3656409" cy="1044000"/>
-            </a:xfrm>
-            <a:prstGeom prst="rect">
-              <a:avLst/>
-            </a:prstGeom>
-            <a:solidFill>
-              <a:schemeClr val="bg1"/>
-            </a:solidFill>
-            <a:ln w="3175">
-              <a:solidFill>
-                <a:schemeClr val="accent1">
-                  <a:lumMod val="40000"/>
-                  <a:lumOff val="60000"/>
-                </a:schemeClr>
-              </a:solidFill>
-              <a:headEnd type="none" w="med" len="med"/>
-              <a:tailEnd type="none" w="med" len="med"/>
-            </a:ln>
-            <a:effectLst/>
-            <a:extLst/>
-          </p:spPr>
-          <p:style>
-            <a:lnRef idx="1">
-              <a:schemeClr val="accent5"/>
-            </a:lnRef>
-            <a:fillRef idx="2">
-              <a:schemeClr val="accent5"/>
-            </a:fillRef>
-            <a:effectRef idx="1">
-              <a:schemeClr val="accent5"/>
-            </a:effectRef>
-            <a:fontRef idx="minor">
-              <a:schemeClr val="dk1"/>
-            </a:fontRef>
-          </p:style>
-          <p:txBody>
-            <a:bodyPr vert="horz" wrap="square" lIns="72000" tIns="72000" rIns="72000" bIns="72000" numCol="1" rtlCol="0" anchor="ctr" anchorCtr="0" compatLnSpc="1">
+            <a:bodyPr vert="horz" wrap="square" lIns="72000" tIns="72000" rIns="72000" bIns="72000" numCol="1" rtlCol="0" anchor="t" anchorCtr="0" compatLnSpc="1">
               <a:prstTxWarp prst="textNoShape">
                 <a:avLst/>
               </a:prstTxWarp>
@@ -21856,7 +19200,7 @@
                   <a:latin typeface="맑은 고딕" panose="020B0503020000020004" pitchFamily="50" charset="-127"/>
                   <a:ea typeface="맑은 고딕" panose="020B0503020000020004" pitchFamily="50" charset="-127"/>
                 </a:rPr>
-                <a:t>templates\esm_com\bizform.html</a:t>
+                <a:t>static\js\lib\comGrid.js</a:t>
               </a:r>
             </a:p>
             <a:p>
@@ -21878,7 +19222,7 @@
                   <a:latin typeface="맑은 고딕" panose="020B0503020000020004" pitchFamily="50" charset="-127"/>
                   <a:ea typeface="맑은 고딕" panose="020B0503020000020004" pitchFamily="50" charset="-127"/>
                 </a:rPr>
-                <a:t>팝업 </a:t>
+                <a:t>객체 </a:t>
               </a:r>
               <a:r>
                 <a:rPr lang="en-US" altLang="ko-KR" sz="1050">
@@ -21888,64 +19232,7 @@
                   <a:latin typeface="맑은 고딕" panose="020B0503020000020004" pitchFamily="50" charset="-127"/>
                   <a:ea typeface="맑은 고딕" panose="020B0503020000020004" pitchFamily="50" charset="-127"/>
                 </a:rPr>
-                <a:t>HTML </a:t>
-              </a:r>
-              <a:r>
-                <a:rPr lang="ko-KR" altLang="en-US" sz="1050">
-                  <a:solidFill>
-                    <a:schemeClr val="tx1"/>
-                  </a:solidFill>
-                  <a:latin typeface="맑은 고딕" panose="020B0503020000020004" pitchFamily="50" charset="-127"/>
-                  <a:ea typeface="맑은 고딕" panose="020B0503020000020004" pitchFamily="50" charset="-127"/>
-                </a:rPr>
-                <a:t>설정</a:t>
-              </a:r>
-              <a:endParaRPr lang="en-US" altLang="ko-KR" sz="1050">
-                <a:solidFill>
-                  <a:schemeClr val="tx1"/>
-                </a:solidFill>
-                <a:latin typeface="맑은 고딕" panose="020B0503020000020004" pitchFamily="50" charset="-127"/>
-                <a:ea typeface="맑은 고딕" panose="020B0503020000020004" pitchFamily="50" charset="-127"/>
-              </a:endParaRPr>
-            </a:p>
-            <a:p>
-              <a:pPr marL="90488" eaLnBrk="1" hangingPunct="1">
-                <a:spcBef>
-                  <a:spcPts val="0"/>
-                </a:spcBef>
-                <a:buClr>
-                  <a:schemeClr val="accent2"/>
-                </a:buClr>
-              </a:pPr>
-              <a:r>
-                <a:rPr lang="en-US" altLang="ko-KR" sz="1050">
-                  <a:solidFill>
-                    <a:schemeClr val="tx1"/>
-                  </a:solidFill>
-                  <a:latin typeface="맑은 고딕" panose="020B0503020000020004" pitchFamily="50" charset="-127"/>
-                  <a:ea typeface="맑은 고딕" panose="020B0503020000020004" pitchFamily="50" charset="-127"/>
-                </a:rPr>
-                <a:t>1. </a:t>
-              </a:r>
-              <a:r>
-                <a:rPr lang="ko-KR" altLang="en-US" sz="1050">
-                  <a:solidFill>
-                    <a:schemeClr val="tx1"/>
-                  </a:solidFill>
-                  <a:latin typeface="맑은 고딕" panose="020B0503020000020004" pitchFamily="50" charset="-127"/>
-                  <a:ea typeface="맑은 고딕" panose="020B0503020000020004" pitchFamily="50" charset="-127"/>
-                </a:rPr>
-                <a:t>팝업 객체 </a:t>
-              </a:r>
-              <a:r>
-                <a:rPr lang="en-US" altLang="ko-KR" sz="1050">
-                  <a:solidFill>
-                    <a:schemeClr val="tx1"/>
-                  </a:solidFill>
-                  <a:latin typeface="맑은 고딕" panose="020B0503020000020004" pitchFamily="50" charset="-127"/>
-                  <a:ea typeface="맑은 고딕" panose="020B0503020000020004" pitchFamily="50" charset="-127"/>
-                </a:rPr>
-                <a:t>: div id="errorModal“</a:t>
+                <a:t>: gfnGridInit</a:t>
               </a:r>
             </a:p>
             <a:p>
@@ -21957,76 +19244,13 @@
                   <a:schemeClr val="accent2"/>
                 </a:buClr>
               </a:pPr>
-              <a:r>
-                <a:rPr lang="en-US" altLang="ko-KR" sz="1050">
-                  <a:solidFill>
-                    <a:schemeClr val="tx1"/>
-                  </a:solidFill>
-                  <a:latin typeface="맑은 고딕" panose="020B0503020000020004" pitchFamily="50" charset="-127"/>
-                  <a:ea typeface="맑은 고딕" panose="020B0503020000020004" pitchFamily="50" charset="-127"/>
-                </a:rPr>
-                <a:t>2. </a:t>
-              </a:r>
-              <a:r>
-                <a:rPr lang="ko-KR" altLang="en-US" sz="1050">
-                  <a:solidFill>
-                    <a:schemeClr val="tx1"/>
-                  </a:solidFill>
-                  <a:latin typeface="맑은 고딕" panose="020B0503020000020004" pitchFamily="50" charset="-127"/>
-                  <a:ea typeface="맑은 고딕" panose="020B0503020000020004" pitchFamily="50" charset="-127"/>
-                </a:rPr>
-                <a:t>팝업 타이틀 </a:t>
-              </a:r>
-              <a:r>
-                <a:rPr lang="en-US" altLang="ko-KR" sz="1050">
-                  <a:solidFill>
-                    <a:schemeClr val="tx1"/>
-                  </a:solidFill>
-                  <a:latin typeface="맑은 고딕" panose="020B0503020000020004" pitchFamily="50" charset="-127"/>
-                  <a:ea typeface="맑은 고딕" panose="020B0503020000020004" pitchFamily="50" charset="-127"/>
-                </a:rPr>
-                <a:t>: id="errorModalTitle“</a:t>
-              </a:r>
-            </a:p>
-            <a:p>
-              <a:pPr marL="90488" eaLnBrk="1" hangingPunct="1">
-                <a:spcBef>
-                  <a:spcPts val="0"/>
-                </a:spcBef>
-                <a:buClr>
-                  <a:schemeClr val="accent2"/>
-                </a:buClr>
-              </a:pPr>
-              <a:r>
-                <a:rPr lang="en-US" altLang="ko-KR" sz="1050">
-                  <a:solidFill>
-                    <a:schemeClr val="tx1"/>
-                  </a:solidFill>
-                  <a:latin typeface="맑은 고딕" panose="020B0503020000020004" pitchFamily="50" charset="-127"/>
-                  <a:ea typeface="맑은 고딕" panose="020B0503020000020004" pitchFamily="50" charset="-127"/>
-                </a:rPr>
-                <a:t>3. </a:t>
-              </a:r>
-              <a:r>
-                <a:rPr lang="ko-KR" altLang="en-US" sz="1050">
-                  <a:solidFill>
-                    <a:schemeClr val="tx1"/>
-                  </a:solidFill>
-                  <a:latin typeface="맑은 고딕" panose="020B0503020000020004" pitchFamily="50" charset="-127"/>
-                  <a:ea typeface="맑은 고딕" panose="020B0503020000020004" pitchFamily="50" charset="-127"/>
-                </a:rPr>
-                <a:t>팝업 메시지 </a:t>
-              </a:r>
-              <a:r>
-                <a:rPr lang="en-US" altLang="ko-KR" sz="1050">
-                  <a:solidFill>
-                    <a:schemeClr val="tx1"/>
-                  </a:solidFill>
-                  <a:latin typeface="맑은 고딕" panose="020B0503020000020004" pitchFamily="50" charset="-127"/>
-                  <a:ea typeface="맑은 고딕" panose="020B0503020000020004" pitchFamily="50" charset="-127"/>
-                </a:rPr>
-                <a:t>: div id="errorModalContents"</a:t>
-              </a:r>
+              <a:endParaRPr lang="en-US" altLang="ko-KR" sz="1050">
+                <a:solidFill>
+                  <a:schemeClr val="tx1"/>
+                </a:solidFill>
+                <a:latin typeface="맑은 고딕" panose="020B0503020000020004" pitchFamily="50" charset="-127"/>
+                <a:ea typeface="맑은 고딕" panose="020B0503020000020004" pitchFamily="50" charset="-127"/>
+              </a:endParaRPr>
             </a:p>
           </p:txBody>
         </p:sp>
@@ -22045,7 +19269,7 @@
           <p:spPr bwMode="auto">
             <a:xfrm>
               <a:off x="471971" y="1125600"/>
-              <a:ext cx="3656409" cy="457471"/>
+              <a:ext cx="4180580" cy="457471"/>
             </a:xfrm>
             <a:prstGeom prst="rect">
               <a:avLst/>
@@ -22161,33 +19385,12 @@
             </a:p>
           </p:txBody>
         </p:sp>
-      </p:grpSp>
-      <p:grpSp>
-        <p:nvGrpSpPr>
-          <p:cNvPr id="35" name="그룹 34">
-            <a:extLst>
-              <a:ext uri="{FF2B5EF4-FFF2-40B4-BE49-F238E27FC236}">
-                <a16:creationId xmlns:a16="http://schemas.microsoft.com/office/drawing/2014/main" id="{E4CB846A-4274-4BAE-BD7D-D7B1CE044F63}"/>
-              </a:ext>
-            </a:extLst>
-          </p:cNvPr>
-          <p:cNvGrpSpPr/>
-          <p:nvPr/>
-        </p:nvGrpSpPr>
-        <p:grpSpPr>
-          <a:xfrm>
-            <a:off x="5551934" y="1014766"/>
-            <a:ext cx="3656409" cy="2162544"/>
-            <a:chOff x="471971" y="1125600"/>
-            <a:chExt cx="3656409" cy="2162544"/>
-          </a:xfrm>
-        </p:grpSpPr>
         <p:sp>
           <p:nvSpPr>
-            <p:cNvPr id="36" name="직사각형 35">
+            <p:cNvPr id="34" name="직사각형 33">
               <a:extLst>
                 <a:ext uri="{FF2B5EF4-FFF2-40B4-BE49-F238E27FC236}">
-                  <a16:creationId xmlns:a16="http://schemas.microsoft.com/office/drawing/2014/main" id="{E43D1FF7-76C5-4C16-9BFD-9616A36B206E}"/>
+                  <a16:creationId xmlns:a16="http://schemas.microsoft.com/office/drawing/2014/main" id="{344DBC85-C3F1-4EE0-9013-71CCB75CED0B}"/>
                 </a:ext>
               </a:extLst>
             </p:cNvPr>
@@ -22196,8 +19399,8 @@
           </p:nvSpPr>
           <p:spPr bwMode="auto">
             <a:xfrm>
-              <a:off x="471971" y="1583069"/>
-              <a:ext cx="3656409" cy="1705075"/>
+              <a:off x="641431" y="2061587"/>
+              <a:ext cx="3045147" cy="360000"/>
             </a:xfrm>
             <a:prstGeom prst="rect">
               <a:avLst/>
@@ -22240,77 +19443,6 @@
             </a:bodyPr>
             <a:lstStyle/>
             <a:p>
-              <a:pPr marL="90488" indent="-90488" eaLnBrk="1" hangingPunct="1">
-                <a:spcBef>
-                  <a:spcPts val="0"/>
-                </a:spcBef>
-                <a:buClr>
-                  <a:schemeClr val="tx1"/>
-                </a:buClr>
-                <a:buFont typeface="Wingdings" panose="05000000000000000000" pitchFamily="2" charset="2"/>
-                <a:buChar char="§"/>
-              </a:pPr>
-              <a:r>
-                <a:rPr lang="ko-KR" altLang="en-US" sz="1050">
-                  <a:solidFill>
-                    <a:schemeClr val="tx1"/>
-                  </a:solidFill>
-                  <a:latin typeface="맑은 고딕" panose="020B0503020000020004" pitchFamily="50" charset="-127"/>
-                  <a:ea typeface="맑은 고딕" panose="020B0503020000020004" pitchFamily="50" charset="-127"/>
-                </a:rPr>
-                <a:t>파일 </a:t>
-              </a:r>
-              <a:r>
-                <a:rPr lang="en-US" altLang="ko-KR" sz="1050">
-                  <a:solidFill>
-                    <a:schemeClr val="tx1"/>
-                  </a:solidFill>
-                  <a:latin typeface="맑은 고딕" panose="020B0503020000020004" pitchFamily="50" charset="-127"/>
-                  <a:ea typeface="맑은 고딕" panose="020B0503020000020004" pitchFamily="50" charset="-127"/>
-                </a:rPr>
-                <a:t>: </a:t>
-              </a:r>
-              <a:r>
-                <a:rPr lang="pt-BR" altLang="ko-KR" sz="1050">
-                  <a:solidFill>
-                    <a:schemeClr val="tx1"/>
-                  </a:solidFill>
-                  <a:latin typeface="맑은 고딕" panose="020B0503020000020004" pitchFamily="50" charset="-127"/>
-                  <a:ea typeface="맑은 고딕" panose="020B0503020000020004" pitchFamily="50" charset="-127"/>
-                </a:rPr>
-                <a:t>templates\esm_sys\esm_sys_1020.html</a:t>
-              </a:r>
-            </a:p>
-            <a:p>
-              <a:pPr marL="90488" indent="-90488" eaLnBrk="1" hangingPunct="1">
-                <a:spcBef>
-                  <a:spcPts val="0"/>
-                </a:spcBef>
-                <a:buClr>
-                  <a:schemeClr val="tx1"/>
-                </a:buClr>
-                <a:buFont typeface="Wingdings" panose="05000000000000000000" pitchFamily="2" charset="2"/>
-                <a:buChar char="§"/>
-              </a:pPr>
-              <a:r>
-                <a:rPr lang="ko-KR" altLang="en-US" sz="1050">
-                  <a:solidFill>
-                    <a:schemeClr val="tx1"/>
-                  </a:solidFill>
-                  <a:latin typeface="맑은 고딕" panose="020B0503020000020004" pitchFamily="50" charset="-127"/>
-                  <a:ea typeface="맑은 고딕" panose="020B0503020000020004" pitchFamily="50" charset="-127"/>
-                </a:rPr>
-                <a:t>조회 버튼 클릭</a:t>
-              </a:r>
-              <a:endParaRPr lang="en-US" altLang="ko-KR" sz="1050">
-                <a:solidFill>
-                  <a:schemeClr val="tx1"/>
-                </a:solidFill>
-                <a:latin typeface="맑은 고딕" panose="020B0503020000020004" pitchFamily="50" charset="-127"/>
-                <a:ea typeface="맑은 고딕" panose="020B0503020000020004" pitchFamily="50" charset="-127"/>
-              </a:endParaRPr>
-            </a:p>
-            <a:p>
               <a:pPr marL="90488" eaLnBrk="1" hangingPunct="1">
                 <a:spcBef>
                   <a:spcPts val="0"/>
@@ -22320,154 +19452,24 @@
                 </a:buClr>
               </a:pPr>
               <a:r>
-                <a:rPr lang="en-US" altLang="ko-KR" sz="1050">
+                <a:rPr lang="en-US" altLang="ko-KR" sz="1050" b="0">
                   <a:solidFill>
                     <a:schemeClr val="tx1"/>
                   </a:solidFill>
                   <a:latin typeface="맑은 고딕" panose="020B0503020000020004" pitchFamily="50" charset="-127"/>
                   <a:ea typeface="맑은 고딕" panose="020B0503020000020004" pitchFamily="50" charset="-127"/>
                 </a:rPr>
-                <a:t>1. </a:t>
-              </a:r>
-              <a:r>
-                <a:rPr lang="ko-KR" altLang="en-US" sz="1050">
-                  <a:solidFill>
-                    <a:schemeClr val="tx1"/>
-                  </a:solidFill>
-                  <a:latin typeface="맑은 고딕" panose="020B0503020000020004" pitchFamily="50" charset="-127"/>
-                  <a:ea typeface="맑은 고딕" panose="020B0503020000020004" pitchFamily="50" charset="-127"/>
-                </a:rPr>
-                <a:t>조회 버튼 </a:t>
-              </a:r>
-              <a:r>
-                <a:rPr lang="en-US" altLang="ko-KR" sz="1050">
-                  <a:solidFill>
-                    <a:schemeClr val="tx1"/>
-                  </a:solidFill>
-                  <a:latin typeface="맑은 고딕" panose="020B0503020000020004" pitchFamily="50" charset="-127"/>
-                  <a:ea typeface="맑은 고딕" panose="020B0503020000020004" pitchFamily="50" charset="-127"/>
-                </a:rPr>
-                <a:t>: onclick="doAction1('search’);</a:t>
-              </a:r>
-            </a:p>
-            <a:p>
-              <a:pPr marL="90488" eaLnBrk="1" hangingPunct="1">
-                <a:spcBef>
-                  <a:spcPts val="0"/>
-                </a:spcBef>
-                <a:buClr>
-                  <a:schemeClr val="accent2"/>
-                </a:buClr>
-              </a:pPr>
-              <a:r>
-                <a:rPr lang="en-US" altLang="ko-KR" sz="1050">
-                  <a:solidFill>
-                    <a:schemeClr val="tx1"/>
-                  </a:solidFill>
-                  <a:latin typeface="맑은 고딕" panose="020B0503020000020004" pitchFamily="50" charset="-127"/>
-                  <a:ea typeface="맑은 고딕" panose="020B0503020000020004" pitchFamily="50" charset="-127"/>
-                </a:rPr>
-                <a:t>2. </a:t>
-              </a:r>
-              <a:r>
-                <a:rPr lang="ko-KR" altLang="en-US" sz="1050">
-                  <a:solidFill>
-                    <a:schemeClr val="tx1"/>
-                  </a:solidFill>
-                  <a:latin typeface="맑은 고딕" panose="020B0503020000020004" pitchFamily="50" charset="-127"/>
-                  <a:ea typeface="맑은 고딕" panose="020B0503020000020004" pitchFamily="50" charset="-127"/>
-                </a:rPr>
-                <a:t>함수 </a:t>
-              </a:r>
-              <a:r>
-                <a:rPr lang="en-US" altLang="ko-KR" sz="1050">
-                  <a:solidFill>
-                    <a:schemeClr val="tx1"/>
-                  </a:solidFill>
-                  <a:latin typeface="맑은 고딕" panose="020B0503020000020004" pitchFamily="50" charset="-127"/>
-                  <a:ea typeface="맑은 고딕" panose="020B0503020000020004" pitchFamily="50" charset="-127"/>
-                </a:rPr>
-                <a:t>: function doAction1(gubun)</a:t>
-              </a:r>
-            </a:p>
-            <a:p>
-              <a:pPr marL="90488" eaLnBrk="1" hangingPunct="1">
-                <a:spcBef>
-                  <a:spcPts val="0"/>
-                </a:spcBef>
-                <a:buClr>
-                  <a:schemeClr val="accent2"/>
-                </a:buClr>
-              </a:pPr>
-              <a:r>
-                <a:rPr lang="en-US" altLang="ko-KR" sz="1050">
-                  <a:solidFill>
-                    <a:schemeClr val="tx1"/>
-                  </a:solidFill>
-                  <a:latin typeface="맑은 고딕" panose="020B0503020000020004" pitchFamily="50" charset="-127"/>
-                  <a:ea typeface="맑은 고딕" panose="020B0503020000020004" pitchFamily="50" charset="-127"/>
-                </a:rPr>
-                <a:t>               case "search":</a:t>
-              </a:r>
-            </a:p>
-            <a:p>
-              <a:pPr marL="90488" eaLnBrk="1" hangingPunct="1">
-                <a:spcBef>
-                  <a:spcPts val="0"/>
-                </a:spcBef>
-                <a:buClr>
-                  <a:schemeClr val="accent2"/>
-                </a:buClr>
-              </a:pPr>
-              <a:r>
-                <a:rPr lang="en-US" altLang="ko-KR" sz="1050">
-                  <a:solidFill>
-                    <a:schemeClr val="tx1"/>
-                  </a:solidFill>
-                  <a:latin typeface="맑은 고딕" panose="020B0503020000020004" pitchFamily="50" charset="-127"/>
-                  <a:ea typeface="맑은 고딕" panose="020B0503020000020004" pitchFamily="50" charset="-127"/>
-                </a:rPr>
-                <a:t>3. </a:t>
-              </a:r>
-              <a:r>
-                <a:rPr lang="ko-KR" altLang="en-US" sz="1050">
-                  <a:solidFill>
-                    <a:schemeClr val="tx1"/>
-                  </a:solidFill>
-                  <a:latin typeface="맑은 고딕" panose="020B0503020000020004" pitchFamily="50" charset="-127"/>
-                  <a:ea typeface="맑은 고딕" panose="020B0503020000020004" pitchFamily="50" charset="-127"/>
-                </a:rPr>
-                <a:t>함수 호출 </a:t>
-              </a:r>
-              <a:r>
-                <a:rPr lang="en-US" altLang="ko-KR" sz="1050">
-                  <a:solidFill>
-                    <a:schemeClr val="tx1"/>
-                  </a:solidFill>
-                  <a:latin typeface="맑은 고딕" panose="020B0503020000020004" pitchFamily="50" charset="-127"/>
-                  <a:ea typeface="맑은 고딕" panose="020B0503020000020004" pitchFamily="50" charset="-127"/>
-                </a:rPr>
-                <a:t>: </a:t>
-              </a:r>
-              <a:r>
-                <a:rPr lang="en-US" altLang="ko-KR" sz="1050">
-                  <a:solidFill>
-                    <a:srgbClr val="FF0000"/>
-                  </a:solidFill>
-                  <a:latin typeface="맑은 고딕" panose="020B0503020000020004" pitchFamily="50" charset="-127"/>
-                  <a:ea typeface="맑은 고딕" panose="020B0503020000020004" pitchFamily="50" charset="-127"/>
-                </a:rPr>
-                <a:t>gfnGetGrdData(params);</a:t>
+                <a:t>this.gridView = new RealGridJS.GridView(this.attr("id"));</a:t>
               </a:r>
             </a:p>
           </p:txBody>
         </p:sp>
         <p:sp>
           <p:nvSpPr>
-            <p:cNvPr id="37" name="직사각형 36">
+            <p:cNvPr id="38" name="직사각형 37">
               <a:extLst>
                 <a:ext uri="{FF2B5EF4-FFF2-40B4-BE49-F238E27FC236}">
-                  <a16:creationId xmlns:a16="http://schemas.microsoft.com/office/drawing/2014/main" id="{6C649E08-924B-4511-A021-B973C6889018}"/>
+                  <a16:creationId xmlns:a16="http://schemas.microsoft.com/office/drawing/2014/main" id="{B40D6AD4-C9D0-4B07-B5B6-76D899F2715B}"/>
                 </a:ext>
               </a:extLst>
             </p:cNvPr>
@@ -22476,16 +19478,14 @@
           </p:nvSpPr>
           <p:spPr bwMode="auto">
             <a:xfrm>
-              <a:off x="471971" y="1125600"/>
-              <a:ext cx="3656409" cy="457471"/>
+              <a:off x="641431" y="2459525"/>
+              <a:ext cx="3045147" cy="360000"/>
             </a:xfrm>
             <a:prstGeom prst="rect">
               <a:avLst/>
             </a:prstGeom>
             <a:solidFill>
-              <a:schemeClr val="accent1">
-                <a:alpha val="40000"/>
-              </a:schemeClr>
+              <a:schemeClr val="bg1"/>
             </a:solidFill>
             <a:ln w="3175">
               <a:solidFill>
@@ -22515,14 +19515,14 @@
             </a:fontRef>
           </p:style>
           <p:txBody>
-            <a:bodyPr vert="horz" wrap="none" lIns="72000" tIns="72000" rIns="72000" bIns="72000" numCol="1" rtlCol="0" anchor="ctr" anchorCtr="0" compatLnSpc="1">
+            <a:bodyPr vert="horz" wrap="square" lIns="72000" tIns="72000" rIns="72000" bIns="72000" numCol="1" rtlCol="0" anchor="ctr" anchorCtr="0" compatLnSpc="1">
               <a:prstTxWarp prst="textNoShape">
                 <a:avLst/>
               </a:prstTxWarp>
             </a:bodyPr>
             <a:lstStyle/>
             <a:p>
-              <a:pPr marL="0" lvl="1" algn="ctr" eaLnBrk="1" hangingPunct="1">
+              <a:pPr marL="90488" eaLnBrk="1" hangingPunct="1">
                 <a:spcBef>
                   <a:spcPts val="0"/>
                 </a:spcBef>
@@ -22531,95 +19531,24 @@
                 </a:buClr>
               </a:pPr>
               <a:r>
-                <a:rPr lang="ko-KR" altLang="en-US" sz="1200">
+                <a:rPr lang="en-US" altLang="ko-KR" sz="1050" b="0">
                   <a:solidFill>
                     <a:schemeClr val="tx1"/>
                   </a:solidFill>
                   <a:latin typeface="맑은 고딕" panose="020B0503020000020004" pitchFamily="50" charset="-127"/>
                   <a:ea typeface="맑은 고딕" panose="020B0503020000020004" pitchFamily="50" charset="-127"/>
                 </a:rPr>
-                <a:t>단위 화면 </a:t>
-              </a:r>
-              <a:r>
-                <a:rPr lang="en-US" altLang="ko-KR" sz="1200">
-                  <a:solidFill>
-                    <a:schemeClr val="tx1"/>
-                  </a:solidFill>
-                  <a:latin typeface="맑은 고딕" panose="020B0503020000020004" pitchFamily="50" charset="-127"/>
-                  <a:ea typeface="맑은 고딕" panose="020B0503020000020004" pitchFamily="50" charset="-127"/>
-                </a:rPr>
-                <a:t>HTML</a:t>
-              </a:r>
-            </a:p>
-            <a:p>
-              <a:pPr marL="0" lvl="1" algn="ctr" eaLnBrk="1" hangingPunct="1">
-                <a:spcBef>
-                  <a:spcPts val="0"/>
-                </a:spcBef>
-                <a:buClr>
-                  <a:schemeClr val="accent2"/>
-                </a:buClr>
-              </a:pPr>
-              <a:r>
-                <a:rPr lang="en-US" altLang="ko-KR" sz="1200">
-                  <a:solidFill>
-                    <a:schemeClr val="tx1"/>
-                  </a:solidFill>
-                  <a:latin typeface="맑은 고딕" panose="020B0503020000020004" pitchFamily="50" charset="-127"/>
-                  <a:ea typeface="맑은 고딕" panose="020B0503020000020004" pitchFamily="50" charset="-127"/>
-                </a:rPr>
-                <a:t>(</a:t>
-              </a:r>
-              <a:r>
-                <a:rPr lang="ko-KR" altLang="en-US" sz="1200">
-                  <a:solidFill>
-                    <a:schemeClr val="tx1"/>
-                  </a:solidFill>
-                  <a:latin typeface="맑은 고딕" panose="020B0503020000020004" pitchFamily="50" charset="-127"/>
-                  <a:ea typeface="맑은 고딕" panose="020B0503020000020004" pitchFamily="50" charset="-127"/>
-                </a:rPr>
-                <a:t>메뉴등록 </a:t>
-              </a:r>
-              <a:r>
-                <a:rPr lang="en-US" altLang="ko-KR" sz="1200">
-                  <a:solidFill>
-                    <a:schemeClr val="tx1"/>
-                  </a:solidFill>
-                  <a:latin typeface="맑은 고딕" panose="020B0503020000020004" pitchFamily="50" charset="-127"/>
-                  <a:ea typeface="맑은 고딕" panose="020B0503020000020004" pitchFamily="50" charset="-127"/>
-                </a:rPr>
-                <a:t>- esm_sys_1020)</a:t>
+                <a:t>this.provider = new RealGridJS.LocalDataProvider();</a:t>
               </a:r>
             </a:p>
           </p:txBody>
         </p:sp>
-      </p:grpSp>
-      <p:grpSp>
-        <p:nvGrpSpPr>
-          <p:cNvPr id="6" name="그룹 5">
-            <a:extLst>
-              <a:ext uri="{FF2B5EF4-FFF2-40B4-BE49-F238E27FC236}">
-                <a16:creationId xmlns:a16="http://schemas.microsoft.com/office/drawing/2014/main" id="{C6FA2D8F-44FF-4F39-83A9-7E5B587F9A54}"/>
-              </a:ext>
-            </a:extLst>
-          </p:cNvPr>
-          <p:cNvGrpSpPr/>
-          <p:nvPr/>
-        </p:nvGrpSpPr>
-        <p:grpSpPr>
-          <a:xfrm>
-            <a:off x="4135744" y="1014766"/>
-            <a:ext cx="1141254" cy="1282042"/>
-            <a:chOff x="4335181" y="1221016"/>
-            <a:chExt cx="1220923" cy="1282042"/>
-          </a:xfrm>
-        </p:grpSpPr>
         <p:sp>
           <p:nvSpPr>
-            <p:cNvPr id="39" name="직사각형 38">
+            <p:cNvPr id="40" name="직사각형 39">
               <a:extLst>
                 <a:ext uri="{FF2B5EF4-FFF2-40B4-BE49-F238E27FC236}">
-                  <a16:creationId xmlns:a16="http://schemas.microsoft.com/office/drawing/2014/main" id="{8E47AA36-C01B-4C6C-830E-AD292EB59CFF}"/>
+                  <a16:creationId xmlns:a16="http://schemas.microsoft.com/office/drawing/2014/main" id="{BB26CF13-B1E8-474E-B398-91B2C66BE956}"/>
                 </a:ext>
               </a:extLst>
             </p:cNvPr>
@@ -22628,125 +19557,21 @@
           </p:nvSpPr>
           <p:spPr bwMode="auto">
             <a:xfrm>
-              <a:off x="4335181" y="1221016"/>
-              <a:ext cx="1220923" cy="288000"/>
+              <a:off x="641431" y="2857463"/>
+              <a:ext cx="3045147" cy="360000"/>
             </a:xfrm>
             <a:prstGeom prst="rect">
               <a:avLst/>
             </a:prstGeom>
             <a:solidFill>
-              <a:srgbClr val="92D050">
-                <a:alpha val="40000"/>
-              </a:srgbClr>
+              <a:schemeClr val="bg1"/>
             </a:solidFill>
             <a:ln w="3175">
               <a:solidFill>
-                <a:schemeClr val="accent3"/>
-              </a:solidFill>
-              <a:headEnd type="none" w="med" len="med"/>
-              <a:tailEnd type="none" w="med" len="med"/>
-            </a:ln>
-            <a:effectLst/>
-            <a:extLst/>
-          </p:spPr>
-          <p:style>
-            <a:lnRef idx="1">
-              <a:schemeClr val="accent5"/>
-            </a:lnRef>
-            <a:fillRef idx="2">
-              <a:schemeClr val="accent5"/>
-            </a:fillRef>
-            <a:effectRef idx="1">
-              <a:schemeClr val="accent5"/>
-            </a:effectRef>
-            <a:fontRef idx="minor">
-              <a:schemeClr val="dk1"/>
-            </a:fontRef>
-          </p:style>
-          <p:txBody>
-            <a:bodyPr vert="horz" wrap="none" lIns="72000" tIns="72000" rIns="72000" bIns="72000" numCol="1" rtlCol="0" anchor="ctr" anchorCtr="0" compatLnSpc="1">
-              <a:prstTxWarp prst="textNoShape">
-                <a:avLst/>
-              </a:prstTxWarp>
-            </a:bodyPr>
-            <a:lstStyle/>
-            <a:p>
-              <a:pPr marL="0" lvl="1" algn="ctr" eaLnBrk="1" hangingPunct="1">
-                <a:spcBef>
-                  <a:spcPts val="0"/>
-                </a:spcBef>
-                <a:buClr>
-                  <a:schemeClr val="accent2"/>
-                </a:buClr>
-              </a:pPr>
-              <a:r>
-                <a:rPr lang="ko-KR" altLang="en-US" sz="1050">
-                  <a:solidFill>
-                    <a:schemeClr val="tx1"/>
-                  </a:solidFill>
-                  <a:latin typeface="맑은 고딕" panose="020B0503020000020004" pitchFamily="50" charset="-127"/>
-                  <a:ea typeface="맑은 고딕" panose="020B0503020000020004" pitchFamily="50" charset="-127"/>
-                </a:rPr>
-                <a:t>표준 </a:t>
-              </a:r>
-              <a:r>
-                <a:rPr lang="en-US" altLang="ko-KR" sz="1050">
-                  <a:solidFill>
-                    <a:schemeClr val="tx1"/>
-                  </a:solidFill>
-                  <a:latin typeface="맑은 고딕" panose="020B0503020000020004" pitchFamily="50" charset="-127"/>
-                  <a:ea typeface="맑은 고딕" panose="020B0503020000020004" pitchFamily="50" charset="-127"/>
-                </a:rPr>
-                <a:t>HTML </a:t>
-              </a:r>
-              <a:r>
-                <a:rPr lang="ko-KR" altLang="en-US" sz="1050">
-                  <a:solidFill>
-                    <a:schemeClr val="tx1"/>
-                  </a:solidFill>
-                  <a:latin typeface="맑은 고딕" panose="020B0503020000020004" pitchFamily="50" charset="-127"/>
-                  <a:ea typeface="맑은 고딕" panose="020B0503020000020004" pitchFamily="50" charset="-127"/>
-                </a:rPr>
-                <a:t>상속</a:t>
-              </a:r>
-              <a:endParaRPr lang="en-US" altLang="ko-KR" sz="1050">
-                <a:solidFill>
-                  <a:schemeClr val="tx1"/>
-                </a:solidFill>
-                <a:latin typeface="맑은 고딕" panose="020B0503020000020004" pitchFamily="50" charset="-127"/>
-                <a:ea typeface="맑은 고딕" panose="020B0503020000020004" pitchFamily="50" charset="-127"/>
-              </a:endParaRPr>
-            </a:p>
-          </p:txBody>
-        </p:sp>
-        <p:sp>
-          <p:nvSpPr>
-            <p:cNvPr id="41" name="직사각형 40">
-              <a:extLst>
-                <a:ext uri="{FF2B5EF4-FFF2-40B4-BE49-F238E27FC236}">
-                  <a16:creationId xmlns:a16="http://schemas.microsoft.com/office/drawing/2014/main" id="{1A79E3ED-C9A4-4B1A-8848-A433D2F8A9CE}"/>
-                </a:ext>
-              </a:extLst>
-            </p:cNvPr>
-            <p:cNvSpPr/>
-            <p:nvPr/>
-          </p:nvSpPr>
-          <p:spPr bwMode="auto">
-            <a:xfrm>
-              <a:off x="4335181" y="1510832"/>
-              <a:ext cx="1220923" cy="992226"/>
-            </a:xfrm>
-            <a:prstGeom prst="rect">
-              <a:avLst/>
-            </a:prstGeom>
-            <a:solidFill>
-              <a:schemeClr val="bg1">
-                <a:alpha val="40000"/>
-              </a:schemeClr>
-            </a:solidFill>
-            <a:ln w="3175">
-              <a:solidFill>
-                <a:schemeClr val="accent3"/>
+                <a:schemeClr val="accent1">
+                  <a:lumMod val="40000"/>
+                  <a:lumOff val="60000"/>
+                </a:schemeClr>
               </a:solidFill>
               <a:headEnd type="none" w="med" len="med"/>
               <a:tailEnd type="none" w="med" len="med"/>
@@ -22776,7 +19601,7 @@
             </a:bodyPr>
             <a:lstStyle/>
             <a:p>
-              <a:pPr marL="0" lvl="1" algn="ctr" eaLnBrk="1" hangingPunct="1">
+              <a:pPr marL="90488" eaLnBrk="1" hangingPunct="1">
                 <a:spcBef>
                   <a:spcPts val="0"/>
                 </a:spcBef>
@@ -22785,71 +19610,277 @@
                 </a:buClr>
               </a:pPr>
               <a:r>
-                <a:rPr lang="en-US" altLang="ko-KR" sz="1050">
+                <a:rPr lang="en-US" altLang="ko-KR" sz="1050" b="0">
                   <a:solidFill>
                     <a:schemeClr val="tx1"/>
                   </a:solidFill>
                   <a:latin typeface="맑은 고딕" panose="020B0503020000020004" pitchFamily="50" charset="-127"/>
                   <a:ea typeface="맑은 고딕" panose="020B0503020000020004" pitchFamily="50" charset="-127"/>
                 </a:rPr>
-                <a:t>{% extends "esm_com/bizform.html" %}</a:t>
+                <a:t>this.gridView.setDataSource(this.provider);</a:t>
               </a:r>
             </a:p>
           </p:txBody>
         </p:sp>
+        <p:sp>
+          <p:nvSpPr>
+            <p:cNvPr id="42" name="직사각형 41">
+              <a:extLst>
+                <a:ext uri="{FF2B5EF4-FFF2-40B4-BE49-F238E27FC236}">
+                  <a16:creationId xmlns:a16="http://schemas.microsoft.com/office/drawing/2014/main" id="{2B6205B6-F81B-445A-8E69-7CFBABBD0B62}"/>
+                </a:ext>
+              </a:extLst>
+            </p:cNvPr>
+            <p:cNvSpPr/>
+            <p:nvPr/>
+          </p:nvSpPr>
+          <p:spPr bwMode="auto">
+            <a:xfrm>
+              <a:off x="3716529" y="2061587"/>
+              <a:ext cx="853654" cy="360000"/>
+            </a:xfrm>
+            <a:prstGeom prst="rect">
+              <a:avLst/>
+            </a:prstGeom>
+            <a:solidFill>
+              <a:schemeClr val="bg1"/>
+            </a:solidFill>
+            <a:ln w="3175">
+              <a:solidFill>
+                <a:schemeClr val="accent1">
+                  <a:lumMod val="40000"/>
+                  <a:lumOff val="60000"/>
+                </a:schemeClr>
+              </a:solidFill>
+              <a:headEnd type="none" w="med" len="med"/>
+              <a:tailEnd type="none" w="med" len="med"/>
+            </a:ln>
+            <a:effectLst/>
+            <a:extLst/>
+          </p:spPr>
+          <p:style>
+            <a:lnRef idx="1">
+              <a:schemeClr val="accent5"/>
+            </a:lnRef>
+            <a:fillRef idx="2">
+              <a:schemeClr val="accent5"/>
+            </a:fillRef>
+            <a:effectRef idx="1">
+              <a:schemeClr val="accent5"/>
+            </a:effectRef>
+            <a:fontRef idx="minor">
+              <a:schemeClr val="dk1"/>
+            </a:fontRef>
+          </p:style>
+          <p:txBody>
+            <a:bodyPr vert="horz" wrap="square" lIns="72000" tIns="72000" rIns="72000" bIns="72000" numCol="1" rtlCol="0" anchor="ctr" anchorCtr="0" compatLnSpc="1">
+              <a:prstTxWarp prst="textNoShape">
+                <a:avLst/>
+              </a:prstTxWarp>
+            </a:bodyPr>
+            <a:lstStyle/>
+            <a:p>
+              <a:pPr marL="90488" eaLnBrk="1" hangingPunct="1">
+                <a:spcBef>
+                  <a:spcPts val="0"/>
+                </a:spcBef>
+                <a:buClr>
+                  <a:schemeClr val="accent2"/>
+                </a:buClr>
+              </a:pPr>
+              <a:r>
+                <a:rPr lang="ko-KR" altLang="en-US" sz="1050" b="0">
+                  <a:solidFill>
+                    <a:schemeClr val="tx1"/>
+                  </a:solidFill>
+                  <a:latin typeface="맑은 고딕" panose="020B0503020000020004" pitchFamily="50" charset="-127"/>
+                  <a:ea typeface="맑은 고딕" panose="020B0503020000020004" pitchFamily="50" charset="-127"/>
+                </a:rPr>
+                <a:t>레이아웃 뷰</a:t>
+              </a:r>
+              <a:endParaRPr lang="en-US" altLang="ko-KR" sz="1050" b="0">
+                <a:solidFill>
+                  <a:schemeClr val="tx1"/>
+                </a:solidFill>
+                <a:latin typeface="맑은 고딕" panose="020B0503020000020004" pitchFamily="50" charset="-127"/>
+                <a:ea typeface="맑은 고딕" panose="020B0503020000020004" pitchFamily="50" charset="-127"/>
+              </a:endParaRPr>
+            </a:p>
+          </p:txBody>
+        </p:sp>
+        <p:sp>
+          <p:nvSpPr>
+            <p:cNvPr id="43" name="직사각형 42">
+              <a:extLst>
+                <a:ext uri="{FF2B5EF4-FFF2-40B4-BE49-F238E27FC236}">
+                  <a16:creationId xmlns:a16="http://schemas.microsoft.com/office/drawing/2014/main" id="{1E0782E9-A4C1-4CE4-8BCC-F41E1920CED6}"/>
+                </a:ext>
+              </a:extLst>
+            </p:cNvPr>
+            <p:cNvSpPr/>
+            <p:nvPr/>
+          </p:nvSpPr>
+          <p:spPr bwMode="auto">
+            <a:xfrm>
+              <a:off x="3716529" y="2459525"/>
+              <a:ext cx="853654" cy="360000"/>
+            </a:xfrm>
+            <a:prstGeom prst="rect">
+              <a:avLst/>
+            </a:prstGeom>
+            <a:solidFill>
+              <a:schemeClr val="bg1"/>
+            </a:solidFill>
+            <a:ln w="3175">
+              <a:solidFill>
+                <a:schemeClr val="accent1">
+                  <a:lumMod val="40000"/>
+                  <a:lumOff val="60000"/>
+                </a:schemeClr>
+              </a:solidFill>
+              <a:headEnd type="none" w="med" len="med"/>
+              <a:tailEnd type="none" w="med" len="med"/>
+            </a:ln>
+            <a:effectLst/>
+            <a:extLst/>
+          </p:spPr>
+          <p:style>
+            <a:lnRef idx="1">
+              <a:schemeClr val="accent5"/>
+            </a:lnRef>
+            <a:fillRef idx="2">
+              <a:schemeClr val="accent5"/>
+            </a:fillRef>
+            <a:effectRef idx="1">
+              <a:schemeClr val="accent5"/>
+            </a:effectRef>
+            <a:fontRef idx="minor">
+              <a:schemeClr val="dk1"/>
+            </a:fontRef>
+          </p:style>
+          <p:txBody>
+            <a:bodyPr vert="horz" wrap="square" lIns="72000" tIns="72000" rIns="72000" bIns="72000" numCol="1" rtlCol="0" anchor="ctr" anchorCtr="0" compatLnSpc="1">
+              <a:prstTxWarp prst="textNoShape">
+                <a:avLst/>
+              </a:prstTxWarp>
+            </a:bodyPr>
+            <a:lstStyle/>
+            <a:p>
+              <a:pPr marL="90488" eaLnBrk="1" hangingPunct="1">
+                <a:spcBef>
+                  <a:spcPts val="0"/>
+                </a:spcBef>
+                <a:buClr>
+                  <a:schemeClr val="accent2"/>
+                </a:buClr>
+              </a:pPr>
+              <a:r>
+                <a:rPr lang="ko-KR" altLang="en-US" sz="1050" b="0">
+                  <a:solidFill>
+                    <a:schemeClr val="tx1"/>
+                  </a:solidFill>
+                  <a:latin typeface="맑은 고딕" panose="020B0503020000020004" pitchFamily="50" charset="-127"/>
+                  <a:ea typeface="맑은 고딕" panose="020B0503020000020004" pitchFamily="50" charset="-127"/>
+                </a:rPr>
+                <a:t>데이터 뷰</a:t>
+              </a:r>
+              <a:endParaRPr lang="en-US" altLang="ko-KR" sz="1050" b="0">
+                <a:solidFill>
+                  <a:schemeClr val="tx1"/>
+                </a:solidFill>
+                <a:latin typeface="맑은 고딕" panose="020B0503020000020004" pitchFamily="50" charset="-127"/>
+                <a:ea typeface="맑은 고딕" panose="020B0503020000020004" pitchFamily="50" charset="-127"/>
+              </a:endParaRPr>
+            </a:p>
+          </p:txBody>
+        </p:sp>
+        <p:sp>
+          <p:nvSpPr>
+            <p:cNvPr id="44" name="직사각형 43">
+              <a:extLst>
+                <a:ext uri="{FF2B5EF4-FFF2-40B4-BE49-F238E27FC236}">
+                  <a16:creationId xmlns:a16="http://schemas.microsoft.com/office/drawing/2014/main" id="{CE85406D-4A8D-4C2C-A72D-9BAC3EAB2F77}"/>
+                </a:ext>
+              </a:extLst>
+            </p:cNvPr>
+            <p:cNvSpPr/>
+            <p:nvPr/>
+          </p:nvSpPr>
+          <p:spPr bwMode="auto">
+            <a:xfrm>
+              <a:off x="3716529" y="2857463"/>
+              <a:ext cx="853653" cy="360000"/>
+            </a:xfrm>
+            <a:prstGeom prst="rect">
+              <a:avLst/>
+            </a:prstGeom>
+            <a:solidFill>
+              <a:schemeClr val="bg1"/>
+            </a:solidFill>
+            <a:ln w="3175">
+              <a:solidFill>
+                <a:schemeClr val="accent1">
+                  <a:lumMod val="40000"/>
+                  <a:lumOff val="60000"/>
+                </a:schemeClr>
+              </a:solidFill>
+              <a:headEnd type="none" w="med" len="med"/>
+              <a:tailEnd type="none" w="med" len="med"/>
+            </a:ln>
+            <a:effectLst/>
+            <a:extLst/>
+          </p:spPr>
+          <p:style>
+            <a:lnRef idx="1">
+              <a:schemeClr val="accent5"/>
+            </a:lnRef>
+            <a:fillRef idx="2">
+              <a:schemeClr val="accent5"/>
+            </a:fillRef>
+            <a:effectRef idx="1">
+              <a:schemeClr val="accent5"/>
+            </a:effectRef>
+            <a:fontRef idx="minor">
+              <a:schemeClr val="dk1"/>
+            </a:fontRef>
+          </p:style>
+          <p:txBody>
+            <a:bodyPr vert="horz" wrap="square" lIns="72000" tIns="72000" rIns="72000" bIns="72000" numCol="1" rtlCol="0" anchor="ctr" anchorCtr="0" compatLnSpc="1">
+              <a:prstTxWarp prst="textNoShape">
+                <a:avLst/>
+              </a:prstTxWarp>
+            </a:bodyPr>
+            <a:lstStyle/>
+            <a:p>
+              <a:pPr marL="90488" eaLnBrk="1" hangingPunct="1">
+                <a:spcBef>
+                  <a:spcPts val="0"/>
+                </a:spcBef>
+                <a:buClr>
+                  <a:schemeClr val="accent2"/>
+                </a:buClr>
+              </a:pPr>
+              <a:r>
+                <a:rPr lang="ko-KR" altLang="en-US" sz="1050" b="0">
+                  <a:solidFill>
+                    <a:schemeClr val="tx1"/>
+                  </a:solidFill>
+                  <a:latin typeface="맑은 고딕" panose="020B0503020000020004" pitchFamily="50" charset="-127"/>
+                  <a:ea typeface="맑은 고딕" panose="020B0503020000020004" pitchFamily="50" charset="-127"/>
+                </a:rPr>
+                <a:t>레이아웃에 데이터 뷰 할당</a:t>
+              </a:r>
+              <a:endParaRPr lang="en-US" altLang="ko-KR" sz="1050" b="0">
+                <a:solidFill>
+                  <a:schemeClr val="tx1"/>
+                </a:solidFill>
+                <a:latin typeface="맑은 고딕" panose="020B0503020000020004" pitchFamily="50" charset="-127"/>
+                <a:ea typeface="맑은 고딕" panose="020B0503020000020004" pitchFamily="50" charset="-127"/>
+              </a:endParaRPr>
+            </a:p>
+          </p:txBody>
+        </p:sp>
       </p:grpSp>
-      <p:cxnSp>
-        <p:nvCxnSpPr>
-          <p:cNvPr id="91" name="연결선: 구부러짐 90">
-            <a:extLst>
-              <a:ext uri="{FF2B5EF4-FFF2-40B4-BE49-F238E27FC236}">
-                <a16:creationId xmlns:a16="http://schemas.microsoft.com/office/drawing/2014/main" id="{F3003BC0-97C7-411E-97DE-EDD9F8B4C954}"/>
-              </a:ext>
-            </a:extLst>
-          </p:cNvPr>
-          <p:cNvCxnSpPr>
-            <a:cxnSpLocks/>
-            <a:stCxn id="86" idx="1"/>
-          </p:cNvCxnSpPr>
-          <p:nvPr/>
-        </p:nvCxnSpPr>
-        <p:spPr bwMode="auto">
-          <a:xfrm rot="16200000" flipH="1" flipV="1">
-            <a:off x="2493708" y="5052304"/>
-            <a:ext cx="489625" cy="600241"/>
-          </a:xfrm>
-          <a:prstGeom prst="curvedConnector4">
-            <a:avLst>
-              <a:gd name="adj1" fmla="val -12733"/>
-              <a:gd name="adj2" fmla="val 59222"/>
-            </a:avLst>
-          </a:prstGeom>
-          <a:solidFill>
-            <a:schemeClr val="accent1"/>
-          </a:solidFill>
-          <a:ln w="9525" cap="flat" cmpd="sng" algn="ctr">
-            <a:solidFill>
-              <a:schemeClr val="tx1"/>
-            </a:solidFill>
-            <a:prstDash val="solid"/>
-            <a:round/>
-            <a:headEnd type="none" w="med" len="med"/>
-            <a:tailEnd type="triangle"/>
-          </a:ln>
-          <a:effectLst/>
-          <a:extLst>
-            <a:ext uri="{AF507438-7753-43E0-B8FC-AC1667EBCBE1}">
-              <a14:hiddenEffects xmlns:a14="http://schemas.microsoft.com/office/drawing/2010/main">
-                <a:effectLst>
-                  <a:outerShdw dist="35921" dir="2700000" algn="ctr" rotWithShape="0">
-                    <a:schemeClr val="bg2"/>
-                  </a:outerShdw>
-                </a:effectLst>
-              </a14:hiddenEffects>
-            </a:ext>
-          </a:extLst>
-        </p:spPr>
-      </p:cxnSp>
     </p:spTree>
     <p:extLst>
       <p:ext uri="{BB962C8B-B14F-4D97-AF65-F5344CB8AC3E}">
